--- a/Presentation1.pptx
+++ b/Presentation1.pptx
@@ -5,7 +5,7 @@
     <p:sldMasterId id="2147483660" r:id="rId1"/>
   </p:sldMasterIdLst>
   <p:sldIdLst>
-    <p:sldId id="256" r:id="rId2"/>
+    <p:sldId id="257" r:id="rId2"/>
   </p:sldIdLst>
   <p:sldSz cx="6858000" cy="9906000" type="A4"/>
   <p:notesSz cx="6858000" cy="9144000"/>
@@ -104,6 +104,11 @@
       </a:defRPr>
     </a:lvl9pPr>
   </p:defaultTextStyle>
+  <p:extLst>
+    <p:ext uri="{EFAFB233-063F-42B5-8137-9DF3F51BA10A}">
+      <p15:sldGuideLst xmlns:p15="http://schemas.microsoft.com/office/powerpoint/2012/main"/>
+    </p:ext>
+  </p:extLst>
 </p:presentation>
 </file>
 
@@ -238,7 +243,7 @@
           <a:p>
             <a:fld id="{511DDE28-6795-46FA-A924-7757604C6881}" type="datetimeFigureOut">
               <a:rPr lang="en-US" smtClean="0"/>
-              <a:t>2/27/2024</a:t>
+              <a:t>3/5/2024</a:t>
             </a:fld>
             <a:endParaRPr lang="en-US"/>
           </a:p>
@@ -408,7 +413,7 @@
           <a:p>
             <a:fld id="{511DDE28-6795-46FA-A924-7757604C6881}" type="datetimeFigureOut">
               <a:rPr lang="en-US" smtClean="0"/>
-              <a:t>2/27/2024</a:t>
+              <a:t>3/5/2024</a:t>
             </a:fld>
             <a:endParaRPr lang="en-US"/>
           </a:p>
@@ -588,7 +593,7 @@
           <a:p>
             <a:fld id="{511DDE28-6795-46FA-A924-7757604C6881}" type="datetimeFigureOut">
               <a:rPr lang="en-US" smtClean="0"/>
-              <a:t>2/27/2024</a:t>
+              <a:t>3/5/2024</a:t>
             </a:fld>
             <a:endParaRPr lang="en-US"/>
           </a:p>
@@ -758,7 +763,7 @@
           <a:p>
             <a:fld id="{511DDE28-6795-46FA-A924-7757604C6881}" type="datetimeFigureOut">
               <a:rPr lang="en-US" smtClean="0"/>
-              <a:t>2/27/2024</a:t>
+              <a:t>3/5/2024</a:t>
             </a:fld>
             <a:endParaRPr lang="en-US"/>
           </a:p>
@@ -1002,7 +1007,7 @@
           <a:p>
             <a:fld id="{511DDE28-6795-46FA-A924-7757604C6881}" type="datetimeFigureOut">
               <a:rPr lang="en-US" smtClean="0"/>
-              <a:t>2/27/2024</a:t>
+              <a:t>3/5/2024</a:t>
             </a:fld>
             <a:endParaRPr lang="en-US"/>
           </a:p>
@@ -1234,7 +1239,7 @@
           <a:p>
             <a:fld id="{511DDE28-6795-46FA-A924-7757604C6881}" type="datetimeFigureOut">
               <a:rPr lang="en-US" smtClean="0"/>
-              <a:t>2/27/2024</a:t>
+              <a:t>3/5/2024</a:t>
             </a:fld>
             <a:endParaRPr lang="en-US"/>
           </a:p>
@@ -1601,7 +1606,7 @@
           <a:p>
             <a:fld id="{511DDE28-6795-46FA-A924-7757604C6881}" type="datetimeFigureOut">
               <a:rPr lang="en-US" smtClean="0"/>
-              <a:t>2/27/2024</a:t>
+              <a:t>3/5/2024</a:t>
             </a:fld>
             <a:endParaRPr lang="en-US"/>
           </a:p>
@@ -1719,7 +1724,7 @@
           <a:p>
             <a:fld id="{511DDE28-6795-46FA-A924-7757604C6881}" type="datetimeFigureOut">
               <a:rPr lang="en-US" smtClean="0"/>
-              <a:t>2/27/2024</a:t>
+              <a:t>3/5/2024</a:t>
             </a:fld>
             <a:endParaRPr lang="en-US"/>
           </a:p>
@@ -1814,7 +1819,7 @@
           <a:p>
             <a:fld id="{511DDE28-6795-46FA-A924-7757604C6881}" type="datetimeFigureOut">
               <a:rPr lang="en-US" smtClean="0"/>
-              <a:t>2/27/2024</a:t>
+              <a:t>3/5/2024</a:t>
             </a:fld>
             <a:endParaRPr lang="en-US"/>
           </a:p>
@@ -2091,7 +2096,7 @@
           <a:p>
             <a:fld id="{511DDE28-6795-46FA-A924-7757604C6881}" type="datetimeFigureOut">
               <a:rPr lang="en-US" smtClean="0"/>
-              <a:t>2/27/2024</a:t>
+              <a:t>3/5/2024</a:t>
             </a:fld>
             <a:endParaRPr lang="en-US"/>
           </a:p>
@@ -2348,7 +2353,7 @@
           <a:p>
             <a:fld id="{511DDE28-6795-46FA-A924-7757604C6881}" type="datetimeFigureOut">
               <a:rPr lang="en-US" smtClean="0"/>
-              <a:t>2/27/2024</a:t>
+              <a:t>3/5/2024</a:t>
             </a:fld>
             <a:endParaRPr lang="en-US"/>
           </a:p>
@@ -2561,7 +2566,7 @@
           <a:p>
             <a:fld id="{511DDE28-6795-46FA-A924-7757604C6881}" type="datetimeFigureOut">
               <a:rPr lang="en-US" smtClean="0"/>
-              <a:t>2/27/2024</a:t>
+              <a:t>3/5/2024</a:t>
             </a:fld>
             <a:endParaRPr lang="en-US"/>
           </a:p>
@@ -2968,39 +2973,10 @@
       </p:grpSpPr>
       <p:pic>
         <p:nvPicPr>
-          <p:cNvPr id="5" name="Picture 4">
+          <p:cNvPr id="3" name="Picture 2">
             <a:extLst>
               <a:ext uri="{FF2B5EF4-FFF2-40B4-BE49-F238E27FC236}">
-                <a16:creationId xmlns:a16="http://schemas.microsoft.com/office/drawing/2014/main" id="{00AD14E7-A90E-CF18-0F4D-1272BFD9346C}"/>
-              </a:ext>
-            </a:extLst>
-          </p:cNvPr>
-          <p:cNvPicPr>
-            <a:picLocks noChangeAspect="1"/>
-          </p:cNvPicPr>
-          <p:nvPr/>
-        </p:nvPicPr>
-        <p:blipFill rotWithShape="1">
-          <a:blip r:embed="rId2"/>
-          <a:srcRect t="10643"/>
-          <a:stretch/>
-        </p:blipFill>
-        <p:spPr>
-          <a:xfrm>
-            <a:off x="285614" y="245718"/>
-            <a:ext cx="2348205" cy="288000"/>
-          </a:xfrm>
-          <a:prstGeom prst="rect">
-            <a:avLst/>
-          </a:prstGeom>
-        </p:spPr>
-      </p:pic>
-      <p:pic>
-        <p:nvPicPr>
-          <p:cNvPr id="7" name="Picture 6">
-            <a:extLst>
-              <a:ext uri="{FF2B5EF4-FFF2-40B4-BE49-F238E27FC236}">
-                <a16:creationId xmlns:a16="http://schemas.microsoft.com/office/drawing/2014/main" id="{31A25E4E-EA09-F671-7E1E-E380B33EDC9B}"/>
+                <a16:creationId xmlns:a16="http://schemas.microsoft.com/office/drawing/2014/main" id="{55F85503-784B-DF47-44C4-D74E59626197}"/>
               </a:ext>
             </a:extLst>
           </p:cNvPr>
@@ -3010,195 +2986,15 @@
           <p:nvPr/>
         </p:nvPicPr>
         <p:blipFill>
-          <a:blip r:embed="rId3"/>
+          <a:blip r:embed="rId2"/>
           <a:stretch>
             <a:fillRect/>
           </a:stretch>
         </p:blipFill>
         <p:spPr>
           <a:xfrm>
-            <a:off x="285614" y="565310"/>
-            <a:ext cx="3540406" cy="1796890"/>
-          </a:xfrm>
-          <a:prstGeom prst="rect">
-            <a:avLst/>
-          </a:prstGeom>
-        </p:spPr>
-      </p:pic>
-      <p:pic>
-        <p:nvPicPr>
-          <p:cNvPr id="9" name="Picture 8">
-            <a:extLst>
-              <a:ext uri="{FF2B5EF4-FFF2-40B4-BE49-F238E27FC236}">
-                <a16:creationId xmlns:a16="http://schemas.microsoft.com/office/drawing/2014/main" id="{5444A079-72D2-4764-B753-AD5272649BB9}"/>
-              </a:ext>
-            </a:extLst>
-          </p:cNvPr>
-          <p:cNvPicPr>
-            <a:picLocks noChangeAspect="1"/>
-          </p:cNvPicPr>
-          <p:nvPr/>
-        </p:nvPicPr>
-        <p:blipFill>
-          <a:blip r:embed="rId4"/>
-          <a:stretch>
-            <a:fillRect/>
-          </a:stretch>
-        </p:blipFill>
-        <p:spPr>
-          <a:xfrm>
-            <a:off x="285614" y="2419510"/>
-            <a:ext cx="2690279" cy="1497101"/>
-          </a:xfrm>
-          <a:prstGeom prst="rect">
-            <a:avLst/>
-          </a:prstGeom>
-        </p:spPr>
-      </p:pic>
-      <p:pic>
-        <p:nvPicPr>
-          <p:cNvPr id="11" name="Picture 10">
-            <a:extLst>
-              <a:ext uri="{FF2B5EF4-FFF2-40B4-BE49-F238E27FC236}">
-                <a16:creationId xmlns:a16="http://schemas.microsoft.com/office/drawing/2014/main" id="{5BE70CED-FD4D-C320-0112-C8AAD23DB87C}"/>
-              </a:ext>
-            </a:extLst>
-          </p:cNvPr>
-          <p:cNvPicPr>
-            <a:picLocks noChangeAspect="1"/>
-          </p:cNvPicPr>
-          <p:nvPr/>
-        </p:nvPicPr>
-        <p:blipFill>
-          <a:blip r:embed="rId5"/>
-          <a:stretch>
-            <a:fillRect/>
-          </a:stretch>
-        </p:blipFill>
-        <p:spPr>
-          <a:xfrm>
-            <a:off x="285614" y="3973921"/>
-            <a:ext cx="3553321" cy="1305107"/>
-          </a:xfrm>
-          <a:prstGeom prst="rect">
-            <a:avLst/>
-          </a:prstGeom>
-        </p:spPr>
-      </p:pic>
-      <p:pic>
-        <p:nvPicPr>
-          <p:cNvPr id="13" name="Picture 12">
-            <a:extLst>
-              <a:ext uri="{FF2B5EF4-FFF2-40B4-BE49-F238E27FC236}">
-                <a16:creationId xmlns:a16="http://schemas.microsoft.com/office/drawing/2014/main" id="{61C7B920-DB0B-99AC-C5C6-80AD38D8BFA1}"/>
-              </a:ext>
-            </a:extLst>
-          </p:cNvPr>
-          <p:cNvPicPr>
-            <a:picLocks noChangeAspect="1"/>
-          </p:cNvPicPr>
-          <p:nvPr/>
-        </p:nvPicPr>
-        <p:blipFill>
-          <a:blip r:embed="rId6"/>
-          <a:stretch>
-            <a:fillRect/>
-          </a:stretch>
-        </p:blipFill>
-        <p:spPr>
-          <a:xfrm>
-            <a:off x="285614" y="5336338"/>
-            <a:ext cx="3505689" cy="1143160"/>
-          </a:xfrm>
-          <a:prstGeom prst="rect">
-            <a:avLst/>
-          </a:prstGeom>
-        </p:spPr>
-      </p:pic>
-      <p:pic>
-        <p:nvPicPr>
-          <p:cNvPr id="15" name="Picture 14">
-            <a:extLst>
-              <a:ext uri="{FF2B5EF4-FFF2-40B4-BE49-F238E27FC236}">
-                <a16:creationId xmlns:a16="http://schemas.microsoft.com/office/drawing/2014/main" id="{AE9E955F-1BB5-03FC-DFFC-48491332C817}"/>
-              </a:ext>
-            </a:extLst>
-          </p:cNvPr>
-          <p:cNvPicPr>
-            <a:picLocks noChangeAspect="1"/>
-          </p:cNvPicPr>
-          <p:nvPr/>
-        </p:nvPicPr>
-        <p:blipFill>
-          <a:blip r:embed="rId7"/>
-          <a:stretch>
-            <a:fillRect/>
-          </a:stretch>
-        </p:blipFill>
-        <p:spPr>
-          <a:xfrm>
-            <a:off x="285614" y="6536809"/>
-            <a:ext cx="3443349" cy="3123474"/>
-          </a:xfrm>
-          <a:prstGeom prst="rect">
-            <a:avLst/>
-          </a:prstGeom>
-        </p:spPr>
-      </p:pic>
-      <p:pic>
-        <p:nvPicPr>
-          <p:cNvPr id="17" name="Picture 16">
-            <a:extLst>
-              <a:ext uri="{FF2B5EF4-FFF2-40B4-BE49-F238E27FC236}">
-                <a16:creationId xmlns:a16="http://schemas.microsoft.com/office/drawing/2014/main" id="{54E486B6-C9EA-4D6A-AC48-F25314CC5C79}"/>
-              </a:ext>
-            </a:extLst>
-          </p:cNvPr>
-          <p:cNvPicPr>
-            <a:picLocks noChangeAspect="1"/>
-          </p:cNvPicPr>
-          <p:nvPr/>
-        </p:nvPicPr>
-        <p:blipFill>
-          <a:blip r:embed="rId8"/>
-          <a:stretch>
-            <a:fillRect/>
-          </a:stretch>
-        </p:blipFill>
-        <p:spPr>
-          <a:xfrm rot="5400000">
-            <a:off x="3319177" y="1318692"/>
-            <a:ext cx="3548309" cy="1550664"/>
-          </a:xfrm>
-          <a:prstGeom prst="rect">
-            <a:avLst/>
-          </a:prstGeom>
-        </p:spPr>
-      </p:pic>
-      <p:pic>
-        <p:nvPicPr>
-          <p:cNvPr id="19" name="Picture 18">
-            <a:extLst>
-              <a:ext uri="{FF2B5EF4-FFF2-40B4-BE49-F238E27FC236}">
-                <a16:creationId xmlns:a16="http://schemas.microsoft.com/office/drawing/2014/main" id="{C78479B3-287C-A653-3EFF-884711784E67}"/>
-              </a:ext>
-            </a:extLst>
-          </p:cNvPr>
-          <p:cNvPicPr>
-            <a:picLocks noChangeAspect="1"/>
-          </p:cNvPicPr>
-          <p:nvPr/>
-        </p:nvPicPr>
-        <p:blipFill>
-          <a:blip r:embed="rId9"/>
-          <a:stretch>
-            <a:fillRect/>
-          </a:stretch>
-        </p:blipFill>
-        <p:spPr>
-          <a:xfrm rot="5400000">
-            <a:off x="2614728" y="5984420"/>
-            <a:ext cx="4888886" cy="1379482"/>
+            <a:off x="117239" y="139514"/>
+            <a:ext cx="2761941" cy="2184586"/>
           </a:xfrm>
           <a:prstGeom prst="rect">
             <a:avLst/>
@@ -3208,7 +3004,7 @@
     </p:spTree>
     <p:extLst>
       <p:ext uri="{BB962C8B-B14F-4D97-AF65-F5344CB8AC3E}">
-        <p14:creationId xmlns:p14="http://schemas.microsoft.com/office/powerpoint/2010/main" val="3582714173"/>
+        <p14:creationId xmlns:p14="http://schemas.microsoft.com/office/powerpoint/2010/main" val="2853134284"/>
       </p:ext>
     </p:extLst>
   </p:cSld>

--- a/Presentation1.pptx
+++ b/Presentation1.pptx
@@ -6,6 +6,7 @@
   </p:sldMasterIdLst>
   <p:sldIdLst>
     <p:sldId id="257" r:id="rId2"/>
+    <p:sldId id="258" r:id="rId3"/>
   </p:sldIdLst>
   <p:sldSz cx="6858000" cy="9906000" type="A4"/>
   <p:notesSz cx="6858000" cy="9144000"/>
@@ -243,7 +244,7 @@
           <a:p>
             <a:fld id="{511DDE28-6795-46FA-A924-7757604C6881}" type="datetimeFigureOut">
               <a:rPr lang="en-US" smtClean="0"/>
-              <a:t>3/5/2024</a:t>
+              <a:t>3/12/2024</a:t>
             </a:fld>
             <a:endParaRPr lang="en-US"/>
           </a:p>
@@ -413,7 +414,7 @@
           <a:p>
             <a:fld id="{511DDE28-6795-46FA-A924-7757604C6881}" type="datetimeFigureOut">
               <a:rPr lang="en-US" smtClean="0"/>
-              <a:t>3/5/2024</a:t>
+              <a:t>3/12/2024</a:t>
             </a:fld>
             <a:endParaRPr lang="en-US"/>
           </a:p>
@@ -593,7 +594,7 @@
           <a:p>
             <a:fld id="{511DDE28-6795-46FA-A924-7757604C6881}" type="datetimeFigureOut">
               <a:rPr lang="en-US" smtClean="0"/>
-              <a:t>3/5/2024</a:t>
+              <a:t>3/12/2024</a:t>
             </a:fld>
             <a:endParaRPr lang="en-US"/>
           </a:p>
@@ -763,7 +764,7 @@
           <a:p>
             <a:fld id="{511DDE28-6795-46FA-A924-7757604C6881}" type="datetimeFigureOut">
               <a:rPr lang="en-US" smtClean="0"/>
-              <a:t>3/5/2024</a:t>
+              <a:t>3/12/2024</a:t>
             </a:fld>
             <a:endParaRPr lang="en-US"/>
           </a:p>
@@ -1007,7 +1008,7 @@
           <a:p>
             <a:fld id="{511DDE28-6795-46FA-A924-7757604C6881}" type="datetimeFigureOut">
               <a:rPr lang="en-US" smtClean="0"/>
-              <a:t>3/5/2024</a:t>
+              <a:t>3/12/2024</a:t>
             </a:fld>
             <a:endParaRPr lang="en-US"/>
           </a:p>
@@ -1239,7 +1240,7 @@
           <a:p>
             <a:fld id="{511DDE28-6795-46FA-A924-7757604C6881}" type="datetimeFigureOut">
               <a:rPr lang="en-US" smtClean="0"/>
-              <a:t>3/5/2024</a:t>
+              <a:t>3/12/2024</a:t>
             </a:fld>
             <a:endParaRPr lang="en-US"/>
           </a:p>
@@ -1606,7 +1607,7 @@
           <a:p>
             <a:fld id="{511DDE28-6795-46FA-A924-7757604C6881}" type="datetimeFigureOut">
               <a:rPr lang="en-US" smtClean="0"/>
-              <a:t>3/5/2024</a:t>
+              <a:t>3/12/2024</a:t>
             </a:fld>
             <a:endParaRPr lang="en-US"/>
           </a:p>
@@ -1724,7 +1725,7 @@
           <a:p>
             <a:fld id="{511DDE28-6795-46FA-A924-7757604C6881}" type="datetimeFigureOut">
               <a:rPr lang="en-US" smtClean="0"/>
-              <a:t>3/5/2024</a:t>
+              <a:t>3/12/2024</a:t>
             </a:fld>
             <a:endParaRPr lang="en-US"/>
           </a:p>
@@ -1819,7 +1820,7 @@
           <a:p>
             <a:fld id="{511DDE28-6795-46FA-A924-7757604C6881}" type="datetimeFigureOut">
               <a:rPr lang="en-US" smtClean="0"/>
-              <a:t>3/5/2024</a:t>
+              <a:t>3/12/2024</a:t>
             </a:fld>
             <a:endParaRPr lang="en-US"/>
           </a:p>
@@ -2096,7 +2097,7 @@
           <a:p>
             <a:fld id="{511DDE28-6795-46FA-A924-7757604C6881}" type="datetimeFigureOut">
               <a:rPr lang="en-US" smtClean="0"/>
-              <a:t>3/5/2024</a:t>
+              <a:t>3/12/2024</a:t>
             </a:fld>
             <a:endParaRPr lang="en-US"/>
           </a:p>
@@ -2353,7 +2354,7 @@
           <a:p>
             <a:fld id="{511DDE28-6795-46FA-A924-7757604C6881}" type="datetimeFigureOut">
               <a:rPr lang="en-US" smtClean="0"/>
-              <a:t>3/5/2024</a:t>
+              <a:t>3/12/2024</a:t>
             </a:fld>
             <a:endParaRPr lang="en-US"/>
           </a:p>
@@ -2566,7 +2567,7 @@
           <a:p>
             <a:fld id="{511DDE28-6795-46FA-A924-7757604C6881}" type="datetimeFigureOut">
               <a:rPr lang="en-US" smtClean="0"/>
-              <a:t>3/5/2024</a:t>
+              <a:t>3/12/2024</a:t>
             </a:fld>
             <a:endParaRPr lang="en-US"/>
           </a:p>
@@ -2994,7 +2995,246 @@
         <p:spPr>
           <a:xfrm>
             <a:off x="117239" y="139514"/>
-            <a:ext cx="2761941" cy="2184586"/>
+            <a:ext cx="3227578" cy="2552886"/>
+          </a:xfrm>
+          <a:prstGeom prst="rect">
+            <a:avLst/>
+          </a:prstGeom>
+        </p:spPr>
+      </p:pic>
+      <p:pic>
+        <p:nvPicPr>
+          <p:cNvPr id="4" name="Picture 3">
+            <a:extLst>
+              <a:ext uri="{FF2B5EF4-FFF2-40B4-BE49-F238E27FC236}">
+                <a16:creationId xmlns:a16="http://schemas.microsoft.com/office/drawing/2014/main" id="{38D5A7F8-32DB-A93F-E7DB-3D67EA3FDD9C}"/>
+              </a:ext>
+            </a:extLst>
+          </p:cNvPr>
+          <p:cNvPicPr>
+            <a:picLocks noChangeAspect="1"/>
+          </p:cNvPicPr>
+          <p:nvPr/>
+        </p:nvPicPr>
+        <p:blipFill>
+          <a:blip r:embed="rId3"/>
+          <a:stretch>
+            <a:fillRect/>
+          </a:stretch>
+        </p:blipFill>
+        <p:spPr>
+          <a:xfrm rot="5400000">
+            <a:off x="4792447" y="7726033"/>
+            <a:ext cx="2184598" cy="1362306"/>
+          </a:xfrm>
+          <a:prstGeom prst="rect">
+            <a:avLst/>
+          </a:prstGeom>
+        </p:spPr>
+      </p:pic>
+      <p:pic>
+        <p:nvPicPr>
+          <p:cNvPr id="6" name="Picture 5">
+            <a:extLst>
+              <a:ext uri="{FF2B5EF4-FFF2-40B4-BE49-F238E27FC236}">
+                <a16:creationId xmlns:a16="http://schemas.microsoft.com/office/drawing/2014/main" id="{06FF2A8A-C51A-A0A9-E1AE-4C68D38398CE}"/>
+              </a:ext>
+            </a:extLst>
+          </p:cNvPr>
+          <p:cNvPicPr>
+            <a:picLocks noChangeAspect="1"/>
+          </p:cNvPicPr>
+          <p:nvPr/>
+        </p:nvPicPr>
+        <p:blipFill>
+          <a:blip r:embed="rId4"/>
+          <a:stretch>
+            <a:fillRect/>
+          </a:stretch>
+        </p:blipFill>
+        <p:spPr>
+          <a:xfrm>
+            <a:off x="2169777" y="7363276"/>
+            <a:ext cx="3000882" cy="1806653"/>
+          </a:xfrm>
+          <a:prstGeom prst="rect">
+            <a:avLst/>
+          </a:prstGeom>
+        </p:spPr>
+      </p:pic>
+      <p:pic>
+        <p:nvPicPr>
+          <p:cNvPr id="8" name="Picture 7">
+            <a:extLst>
+              <a:ext uri="{FF2B5EF4-FFF2-40B4-BE49-F238E27FC236}">
+                <a16:creationId xmlns:a16="http://schemas.microsoft.com/office/drawing/2014/main" id="{694D41DE-8B92-A45F-8CCB-154695799574}"/>
+              </a:ext>
+            </a:extLst>
+          </p:cNvPr>
+          <p:cNvPicPr>
+            <a:picLocks noChangeAspect="1"/>
+          </p:cNvPicPr>
+          <p:nvPr/>
+        </p:nvPicPr>
+        <p:blipFill>
+          <a:blip r:embed="rId5"/>
+          <a:stretch>
+            <a:fillRect/>
+          </a:stretch>
+        </p:blipFill>
+        <p:spPr>
+          <a:xfrm>
+            <a:off x="117238" y="2730500"/>
+            <a:ext cx="3227577" cy="2278289"/>
+          </a:xfrm>
+          <a:prstGeom prst="rect">
+            <a:avLst/>
+          </a:prstGeom>
+        </p:spPr>
+      </p:pic>
+      <p:pic>
+        <p:nvPicPr>
+          <p:cNvPr id="10" name="Picture 9">
+            <a:extLst>
+              <a:ext uri="{FF2B5EF4-FFF2-40B4-BE49-F238E27FC236}">
+                <a16:creationId xmlns:a16="http://schemas.microsoft.com/office/drawing/2014/main" id="{CEFAD19D-B4F6-777C-3EC7-7003ED211968}"/>
+              </a:ext>
+            </a:extLst>
+          </p:cNvPr>
+          <p:cNvPicPr>
+            <a:picLocks noChangeAspect="1"/>
+          </p:cNvPicPr>
+          <p:nvPr/>
+        </p:nvPicPr>
+        <p:blipFill>
+          <a:blip r:embed="rId6"/>
+          <a:stretch>
+            <a:fillRect/>
+          </a:stretch>
+        </p:blipFill>
+        <p:spPr>
+          <a:xfrm>
+            <a:off x="3422443" y="3087821"/>
+            <a:ext cx="3143456" cy="1899362"/>
+          </a:xfrm>
+          <a:prstGeom prst="rect">
+            <a:avLst/>
+          </a:prstGeom>
+        </p:spPr>
+      </p:pic>
+      <p:pic>
+        <p:nvPicPr>
+          <p:cNvPr id="12" name="Picture 11">
+            <a:extLst>
+              <a:ext uri="{FF2B5EF4-FFF2-40B4-BE49-F238E27FC236}">
+                <a16:creationId xmlns:a16="http://schemas.microsoft.com/office/drawing/2014/main" id="{3F9634A4-C587-780A-A9FC-683C8AEB8E9F}"/>
+              </a:ext>
+            </a:extLst>
+          </p:cNvPr>
+          <p:cNvPicPr>
+            <a:picLocks noChangeAspect="1"/>
+          </p:cNvPicPr>
+          <p:nvPr/>
+        </p:nvPicPr>
+        <p:blipFill>
+          <a:blip r:embed="rId7"/>
+          <a:stretch>
+            <a:fillRect/>
+          </a:stretch>
+        </p:blipFill>
+        <p:spPr>
+          <a:xfrm>
+            <a:off x="4247716" y="5008788"/>
+            <a:ext cx="2513400" cy="2124000"/>
+          </a:xfrm>
+          <a:prstGeom prst="rect">
+            <a:avLst/>
+          </a:prstGeom>
+        </p:spPr>
+      </p:pic>
+      <p:pic>
+        <p:nvPicPr>
+          <p:cNvPr id="14" name="Picture 13">
+            <a:extLst>
+              <a:ext uri="{FF2B5EF4-FFF2-40B4-BE49-F238E27FC236}">
+                <a16:creationId xmlns:a16="http://schemas.microsoft.com/office/drawing/2014/main" id="{457A46A9-CCAF-6090-E73D-8F25ED80AC39}"/>
+              </a:ext>
+            </a:extLst>
+          </p:cNvPr>
+          <p:cNvPicPr>
+            <a:picLocks noChangeAspect="1"/>
+          </p:cNvPicPr>
+          <p:nvPr/>
+        </p:nvPicPr>
+        <p:blipFill>
+          <a:blip r:embed="rId8"/>
+          <a:stretch>
+            <a:fillRect/>
+          </a:stretch>
+        </p:blipFill>
+        <p:spPr>
+          <a:xfrm>
+            <a:off x="117238" y="5046887"/>
+            <a:ext cx="4105079" cy="2268000"/>
+          </a:xfrm>
+          <a:prstGeom prst="rect">
+            <a:avLst/>
+          </a:prstGeom>
+        </p:spPr>
+      </p:pic>
+      <p:pic>
+        <p:nvPicPr>
+          <p:cNvPr id="16" name="Picture 15">
+            <a:extLst>
+              <a:ext uri="{FF2B5EF4-FFF2-40B4-BE49-F238E27FC236}">
+                <a16:creationId xmlns:a16="http://schemas.microsoft.com/office/drawing/2014/main" id="{38B5D2AC-CCA2-1E61-3FE0-BC584B5CBA4D}"/>
+              </a:ext>
+            </a:extLst>
+          </p:cNvPr>
+          <p:cNvPicPr>
+            <a:picLocks noChangeAspect="1"/>
+          </p:cNvPicPr>
+          <p:nvPr/>
+        </p:nvPicPr>
+        <p:blipFill rotWithShape="1">
+          <a:blip r:embed="rId9"/>
+          <a:srcRect t="7501"/>
+          <a:stretch/>
+        </p:blipFill>
+        <p:spPr>
+          <a:xfrm>
+            <a:off x="117238" y="7363276"/>
+            <a:ext cx="2019604" cy="1498600"/>
+          </a:xfrm>
+          <a:prstGeom prst="rect">
+            <a:avLst/>
+          </a:prstGeom>
+        </p:spPr>
+      </p:pic>
+      <p:pic>
+        <p:nvPicPr>
+          <p:cNvPr id="18" name="Picture 17">
+            <a:extLst>
+              <a:ext uri="{FF2B5EF4-FFF2-40B4-BE49-F238E27FC236}">
+                <a16:creationId xmlns:a16="http://schemas.microsoft.com/office/drawing/2014/main" id="{163D12B7-ABA7-CCB5-67F5-548866E70DC4}"/>
+              </a:ext>
+            </a:extLst>
+          </p:cNvPr>
+          <p:cNvPicPr>
+            <a:picLocks noChangeAspect="1"/>
+          </p:cNvPicPr>
+          <p:nvPr/>
+        </p:nvPicPr>
+        <p:blipFill>
+          <a:blip r:embed="rId10"/>
+          <a:stretch>
+            <a:fillRect/>
+          </a:stretch>
+        </p:blipFill>
+        <p:spPr>
+          <a:xfrm>
+            <a:off x="3513184" y="142212"/>
+            <a:ext cx="2735215" cy="2907511"/>
           </a:xfrm>
           <a:prstGeom prst="rect">
             <a:avLst/>
@@ -3005,6 +3245,96 @@
     <p:extLst>
       <p:ext uri="{BB962C8B-B14F-4D97-AF65-F5344CB8AC3E}">
         <p14:creationId xmlns:p14="http://schemas.microsoft.com/office/powerpoint/2010/main" val="2853134284"/>
+      </p:ext>
+    </p:extLst>
+  </p:cSld>
+  <p:clrMapOvr>
+    <a:masterClrMapping/>
+  </p:clrMapOvr>
+</p:sld>
+</file>
+
+<file path=ppt/slides/slide2.xml><?xml version="1.0" encoding="utf-8"?>
+<p:sld xmlns:a="http://schemas.openxmlformats.org/drawingml/2006/main" xmlns:r="http://schemas.openxmlformats.org/officeDocument/2006/relationships" xmlns:p="http://schemas.openxmlformats.org/presentationml/2006/main">
+  <p:cSld>
+    <p:spTree>
+      <p:nvGrpSpPr>
+        <p:cNvPr id="1" name=""/>
+        <p:cNvGrpSpPr/>
+        <p:nvPr/>
+      </p:nvGrpSpPr>
+      <p:grpSpPr>
+        <a:xfrm>
+          <a:off x="0" y="0"/>
+          <a:ext cx="0" cy="0"/>
+          <a:chOff x="0" y="0"/>
+          <a:chExt cx="0" cy="0"/>
+        </a:xfrm>
+      </p:grpSpPr>
+      <p:pic>
+        <p:nvPicPr>
+          <p:cNvPr id="3" name="Picture 2">
+            <a:extLst>
+              <a:ext uri="{FF2B5EF4-FFF2-40B4-BE49-F238E27FC236}">
+                <a16:creationId xmlns:a16="http://schemas.microsoft.com/office/drawing/2014/main" id="{716579BF-BCB8-8673-76FC-2034AB3F3FA6}"/>
+              </a:ext>
+            </a:extLst>
+          </p:cNvPr>
+          <p:cNvPicPr>
+            <a:picLocks noChangeAspect="1"/>
+          </p:cNvPicPr>
+          <p:nvPr/>
+        </p:nvPicPr>
+        <p:blipFill>
+          <a:blip r:embed="rId2"/>
+          <a:stretch>
+            <a:fillRect/>
+          </a:stretch>
+        </p:blipFill>
+        <p:spPr>
+          <a:xfrm>
+            <a:off x="184079" y="114300"/>
+            <a:ext cx="2317821" cy="2371105"/>
+          </a:xfrm>
+          <a:prstGeom prst="rect">
+            <a:avLst/>
+          </a:prstGeom>
+        </p:spPr>
+      </p:pic>
+      <p:pic>
+        <p:nvPicPr>
+          <p:cNvPr id="5" name="Picture 4">
+            <a:extLst>
+              <a:ext uri="{FF2B5EF4-FFF2-40B4-BE49-F238E27FC236}">
+                <a16:creationId xmlns:a16="http://schemas.microsoft.com/office/drawing/2014/main" id="{F5683BF9-05F9-6456-3D5C-62588E89F6AB}"/>
+              </a:ext>
+            </a:extLst>
+          </p:cNvPr>
+          <p:cNvPicPr>
+            <a:picLocks noChangeAspect="1"/>
+          </p:cNvPicPr>
+          <p:nvPr/>
+        </p:nvPicPr>
+        <p:blipFill>
+          <a:blip r:embed="rId3"/>
+          <a:stretch>
+            <a:fillRect/>
+          </a:stretch>
+        </p:blipFill>
+        <p:spPr>
+          <a:xfrm rot="5400000">
+            <a:off x="2160137" y="532263"/>
+            <a:ext cx="2436125" cy="1600200"/>
+          </a:xfrm>
+          <a:prstGeom prst="rect">
+            <a:avLst/>
+          </a:prstGeom>
+        </p:spPr>
+      </p:pic>
+    </p:spTree>
+    <p:extLst>
+      <p:ext uri="{BB962C8B-B14F-4D97-AF65-F5344CB8AC3E}">
+        <p14:creationId xmlns:p14="http://schemas.microsoft.com/office/powerpoint/2010/main" val="3187723421"/>
       </p:ext>
     </p:extLst>
   </p:cSld>

--- a/Presentation1.pptx
+++ b/Presentation1.pptx
@@ -244,7 +244,7 @@
           <a:p>
             <a:fld id="{511DDE28-6795-46FA-A924-7757604C6881}" type="datetimeFigureOut">
               <a:rPr lang="en-US" smtClean="0"/>
-              <a:t>3/12/2024</a:t>
+              <a:t>3/13/2024</a:t>
             </a:fld>
             <a:endParaRPr lang="en-US"/>
           </a:p>
@@ -414,7 +414,7 @@
           <a:p>
             <a:fld id="{511DDE28-6795-46FA-A924-7757604C6881}" type="datetimeFigureOut">
               <a:rPr lang="en-US" smtClean="0"/>
-              <a:t>3/12/2024</a:t>
+              <a:t>3/13/2024</a:t>
             </a:fld>
             <a:endParaRPr lang="en-US"/>
           </a:p>
@@ -594,7 +594,7 @@
           <a:p>
             <a:fld id="{511DDE28-6795-46FA-A924-7757604C6881}" type="datetimeFigureOut">
               <a:rPr lang="en-US" smtClean="0"/>
-              <a:t>3/12/2024</a:t>
+              <a:t>3/13/2024</a:t>
             </a:fld>
             <a:endParaRPr lang="en-US"/>
           </a:p>
@@ -764,7 +764,7 @@
           <a:p>
             <a:fld id="{511DDE28-6795-46FA-A924-7757604C6881}" type="datetimeFigureOut">
               <a:rPr lang="en-US" smtClean="0"/>
-              <a:t>3/12/2024</a:t>
+              <a:t>3/13/2024</a:t>
             </a:fld>
             <a:endParaRPr lang="en-US"/>
           </a:p>
@@ -1008,7 +1008,7 @@
           <a:p>
             <a:fld id="{511DDE28-6795-46FA-A924-7757604C6881}" type="datetimeFigureOut">
               <a:rPr lang="en-US" smtClean="0"/>
-              <a:t>3/12/2024</a:t>
+              <a:t>3/13/2024</a:t>
             </a:fld>
             <a:endParaRPr lang="en-US"/>
           </a:p>
@@ -1240,7 +1240,7 @@
           <a:p>
             <a:fld id="{511DDE28-6795-46FA-A924-7757604C6881}" type="datetimeFigureOut">
               <a:rPr lang="en-US" smtClean="0"/>
-              <a:t>3/12/2024</a:t>
+              <a:t>3/13/2024</a:t>
             </a:fld>
             <a:endParaRPr lang="en-US"/>
           </a:p>
@@ -1607,7 +1607,7 @@
           <a:p>
             <a:fld id="{511DDE28-6795-46FA-A924-7757604C6881}" type="datetimeFigureOut">
               <a:rPr lang="en-US" smtClean="0"/>
-              <a:t>3/12/2024</a:t>
+              <a:t>3/13/2024</a:t>
             </a:fld>
             <a:endParaRPr lang="en-US"/>
           </a:p>
@@ -1725,7 +1725,7 @@
           <a:p>
             <a:fld id="{511DDE28-6795-46FA-A924-7757604C6881}" type="datetimeFigureOut">
               <a:rPr lang="en-US" smtClean="0"/>
-              <a:t>3/12/2024</a:t>
+              <a:t>3/13/2024</a:t>
             </a:fld>
             <a:endParaRPr lang="en-US"/>
           </a:p>
@@ -1820,7 +1820,7 @@
           <a:p>
             <a:fld id="{511DDE28-6795-46FA-A924-7757604C6881}" type="datetimeFigureOut">
               <a:rPr lang="en-US" smtClean="0"/>
-              <a:t>3/12/2024</a:t>
+              <a:t>3/13/2024</a:t>
             </a:fld>
             <a:endParaRPr lang="en-US"/>
           </a:p>
@@ -2097,7 +2097,7 @@
           <a:p>
             <a:fld id="{511DDE28-6795-46FA-A924-7757604C6881}" type="datetimeFigureOut">
               <a:rPr lang="en-US" smtClean="0"/>
-              <a:t>3/12/2024</a:t>
+              <a:t>3/13/2024</a:t>
             </a:fld>
             <a:endParaRPr lang="en-US"/>
           </a:p>
@@ -2354,7 +2354,7 @@
           <a:p>
             <a:fld id="{511DDE28-6795-46FA-A924-7757604C6881}" type="datetimeFigureOut">
               <a:rPr lang="en-US" smtClean="0"/>
-              <a:t>3/12/2024</a:t>
+              <a:t>3/13/2024</a:t>
             </a:fld>
             <a:endParaRPr lang="en-US"/>
           </a:p>
@@ -2567,7 +2567,7 @@
           <a:p>
             <a:fld id="{511DDE28-6795-46FA-A924-7757604C6881}" type="datetimeFigureOut">
               <a:rPr lang="en-US" smtClean="0"/>
-              <a:t>3/12/2024</a:t>
+              <a:t>3/13/2024</a:t>
             </a:fld>
             <a:endParaRPr lang="en-US"/>
           </a:p>
@@ -3323,8 +3323,68 @@
         </p:blipFill>
         <p:spPr>
           <a:xfrm rot="5400000">
-            <a:off x="2160137" y="532263"/>
-            <a:ext cx="2436125" cy="1600200"/>
+            <a:off x="3371165" y="1440340"/>
+            <a:ext cx="3594102" cy="2360832"/>
+          </a:xfrm>
+          <a:prstGeom prst="rect">
+            <a:avLst/>
+          </a:prstGeom>
+        </p:spPr>
+      </p:pic>
+      <p:pic>
+        <p:nvPicPr>
+          <p:cNvPr id="4" name="Picture 3">
+            <a:extLst>
+              <a:ext uri="{FF2B5EF4-FFF2-40B4-BE49-F238E27FC236}">
+                <a16:creationId xmlns:a16="http://schemas.microsoft.com/office/drawing/2014/main" id="{A2E4CFFF-68C3-55EA-8A63-4843CB056459}"/>
+              </a:ext>
+            </a:extLst>
+          </p:cNvPr>
+          <p:cNvPicPr>
+            <a:picLocks noChangeAspect="1"/>
+          </p:cNvPicPr>
+          <p:nvPr/>
+        </p:nvPicPr>
+        <p:blipFill>
+          <a:blip r:embed="rId4"/>
+          <a:stretch>
+            <a:fillRect/>
+          </a:stretch>
+        </p:blipFill>
+        <p:spPr>
+          <a:xfrm>
+            <a:off x="509368" y="3268456"/>
+            <a:ext cx="3244921" cy="3153658"/>
+          </a:xfrm>
+          <a:prstGeom prst="rect">
+            <a:avLst/>
+          </a:prstGeom>
+        </p:spPr>
+      </p:pic>
+      <p:pic>
+        <p:nvPicPr>
+          <p:cNvPr id="7" name="Picture 6">
+            <a:extLst>
+              <a:ext uri="{FF2B5EF4-FFF2-40B4-BE49-F238E27FC236}">
+                <a16:creationId xmlns:a16="http://schemas.microsoft.com/office/drawing/2014/main" id="{C101222E-2174-AE51-8000-0D78E9411EDB}"/>
+              </a:ext>
+            </a:extLst>
+          </p:cNvPr>
+          <p:cNvPicPr>
+            <a:picLocks noChangeAspect="1"/>
+          </p:cNvPicPr>
+          <p:nvPr/>
+        </p:nvPicPr>
+        <p:blipFill>
+          <a:blip r:embed="rId5"/>
+          <a:stretch>
+            <a:fillRect/>
+          </a:stretch>
+        </p:blipFill>
+        <p:spPr>
+          <a:xfrm>
+            <a:off x="1044288" y="6985000"/>
+            <a:ext cx="4769424" cy="1951127"/>
           </a:xfrm>
           <a:prstGeom prst="rect">
             <a:avLst/>

--- a/Presentation1.pptx
+++ b/Presentation1.pptx
@@ -7,6 +7,9 @@
   <p:sldIdLst>
     <p:sldId id="257" r:id="rId2"/>
     <p:sldId id="258" r:id="rId3"/>
+    <p:sldId id="259" r:id="rId4"/>
+    <p:sldId id="260" r:id="rId5"/>
+    <p:sldId id="261" r:id="rId6"/>
   </p:sldIdLst>
   <p:sldSz cx="6858000" cy="9906000" type="A4"/>
   <p:notesSz cx="6858000" cy="9144000"/>
@@ -244,7 +247,7 @@
           <a:p>
             <a:fld id="{511DDE28-6795-46FA-A924-7757604C6881}" type="datetimeFigureOut">
               <a:rPr lang="en-US" smtClean="0"/>
-              <a:t>3/13/2024</a:t>
+              <a:t>3/25/2024</a:t>
             </a:fld>
             <a:endParaRPr lang="en-US"/>
           </a:p>
@@ -414,7 +417,7 @@
           <a:p>
             <a:fld id="{511DDE28-6795-46FA-A924-7757604C6881}" type="datetimeFigureOut">
               <a:rPr lang="en-US" smtClean="0"/>
-              <a:t>3/13/2024</a:t>
+              <a:t>3/25/2024</a:t>
             </a:fld>
             <a:endParaRPr lang="en-US"/>
           </a:p>
@@ -594,7 +597,7 @@
           <a:p>
             <a:fld id="{511DDE28-6795-46FA-A924-7757604C6881}" type="datetimeFigureOut">
               <a:rPr lang="en-US" smtClean="0"/>
-              <a:t>3/13/2024</a:t>
+              <a:t>3/25/2024</a:t>
             </a:fld>
             <a:endParaRPr lang="en-US"/>
           </a:p>
@@ -764,7 +767,7 @@
           <a:p>
             <a:fld id="{511DDE28-6795-46FA-A924-7757604C6881}" type="datetimeFigureOut">
               <a:rPr lang="en-US" smtClean="0"/>
-              <a:t>3/13/2024</a:t>
+              <a:t>3/25/2024</a:t>
             </a:fld>
             <a:endParaRPr lang="en-US"/>
           </a:p>
@@ -1008,7 +1011,7 @@
           <a:p>
             <a:fld id="{511DDE28-6795-46FA-A924-7757604C6881}" type="datetimeFigureOut">
               <a:rPr lang="en-US" smtClean="0"/>
-              <a:t>3/13/2024</a:t>
+              <a:t>3/25/2024</a:t>
             </a:fld>
             <a:endParaRPr lang="en-US"/>
           </a:p>
@@ -1240,7 +1243,7 @@
           <a:p>
             <a:fld id="{511DDE28-6795-46FA-A924-7757604C6881}" type="datetimeFigureOut">
               <a:rPr lang="en-US" smtClean="0"/>
-              <a:t>3/13/2024</a:t>
+              <a:t>3/25/2024</a:t>
             </a:fld>
             <a:endParaRPr lang="en-US"/>
           </a:p>
@@ -1607,7 +1610,7 @@
           <a:p>
             <a:fld id="{511DDE28-6795-46FA-A924-7757604C6881}" type="datetimeFigureOut">
               <a:rPr lang="en-US" smtClean="0"/>
-              <a:t>3/13/2024</a:t>
+              <a:t>3/25/2024</a:t>
             </a:fld>
             <a:endParaRPr lang="en-US"/>
           </a:p>
@@ -1725,7 +1728,7 @@
           <a:p>
             <a:fld id="{511DDE28-6795-46FA-A924-7757604C6881}" type="datetimeFigureOut">
               <a:rPr lang="en-US" smtClean="0"/>
-              <a:t>3/13/2024</a:t>
+              <a:t>3/25/2024</a:t>
             </a:fld>
             <a:endParaRPr lang="en-US"/>
           </a:p>
@@ -1820,7 +1823,7 @@
           <a:p>
             <a:fld id="{511DDE28-6795-46FA-A924-7757604C6881}" type="datetimeFigureOut">
               <a:rPr lang="en-US" smtClean="0"/>
-              <a:t>3/13/2024</a:t>
+              <a:t>3/25/2024</a:t>
             </a:fld>
             <a:endParaRPr lang="en-US"/>
           </a:p>
@@ -2097,7 +2100,7 @@
           <a:p>
             <a:fld id="{511DDE28-6795-46FA-A924-7757604C6881}" type="datetimeFigureOut">
               <a:rPr lang="en-US" smtClean="0"/>
-              <a:t>3/13/2024</a:t>
+              <a:t>3/25/2024</a:t>
             </a:fld>
             <a:endParaRPr lang="en-US"/>
           </a:p>
@@ -2354,7 +2357,7 @@
           <a:p>
             <a:fld id="{511DDE28-6795-46FA-A924-7757604C6881}" type="datetimeFigureOut">
               <a:rPr lang="en-US" smtClean="0"/>
-              <a:t>3/13/2024</a:t>
+              <a:t>3/25/2024</a:t>
             </a:fld>
             <a:endParaRPr lang="en-US"/>
           </a:p>
@@ -2567,7 +2570,7 @@
           <a:p>
             <a:fld id="{511DDE28-6795-46FA-A924-7757604C6881}" type="datetimeFigureOut">
               <a:rPr lang="en-US" smtClean="0"/>
-              <a:t>3/13/2024</a:t>
+              <a:t>3/25/2024</a:t>
             </a:fld>
             <a:endParaRPr lang="en-US"/>
           </a:p>
@@ -3023,9 +3026,9 @@
           </a:stretch>
         </p:blipFill>
         <p:spPr>
-          <a:xfrm rot="5400000">
-            <a:off x="4792447" y="7726033"/>
-            <a:ext cx="2184598" cy="1362306"/>
+          <a:xfrm>
+            <a:off x="3513184" y="7374591"/>
+            <a:ext cx="2903584" cy="1810663"/>
           </a:xfrm>
           <a:prstGeom prst="rect">
             <a:avLst/>
@@ -3054,7 +3057,7 @@
         </p:blipFill>
         <p:spPr>
           <a:xfrm>
-            <a:off x="2169777" y="7363276"/>
+            <a:off x="117238" y="7374591"/>
             <a:ext cx="3000882" cy="1806653"/>
           </a:xfrm>
           <a:prstGeom prst="rect">
@@ -3184,35 +3187,6 @@
       </p:pic>
       <p:pic>
         <p:nvPicPr>
-          <p:cNvPr id="16" name="Picture 15">
-            <a:extLst>
-              <a:ext uri="{FF2B5EF4-FFF2-40B4-BE49-F238E27FC236}">
-                <a16:creationId xmlns:a16="http://schemas.microsoft.com/office/drawing/2014/main" id="{38B5D2AC-CCA2-1E61-3FE0-BC584B5CBA4D}"/>
-              </a:ext>
-            </a:extLst>
-          </p:cNvPr>
-          <p:cNvPicPr>
-            <a:picLocks noChangeAspect="1"/>
-          </p:cNvPicPr>
-          <p:nvPr/>
-        </p:nvPicPr>
-        <p:blipFill rotWithShape="1">
-          <a:blip r:embed="rId9"/>
-          <a:srcRect t="7501"/>
-          <a:stretch/>
-        </p:blipFill>
-        <p:spPr>
-          <a:xfrm>
-            <a:off x="117238" y="7363276"/>
-            <a:ext cx="2019604" cy="1498600"/>
-          </a:xfrm>
-          <a:prstGeom prst="rect">
-            <a:avLst/>
-          </a:prstGeom>
-        </p:spPr>
-      </p:pic>
-      <p:pic>
-        <p:nvPicPr>
           <p:cNvPr id="18" name="Picture 17">
             <a:extLst>
               <a:ext uri="{FF2B5EF4-FFF2-40B4-BE49-F238E27FC236}">
@@ -3226,7 +3200,7 @@
           <p:nvPr/>
         </p:nvPicPr>
         <p:blipFill>
-          <a:blip r:embed="rId10"/>
+          <a:blip r:embed="rId9"/>
           <a:stretch>
             <a:fillRect/>
           </a:stretch>
@@ -3322,8 +3296,8 @@
           </a:stretch>
         </p:blipFill>
         <p:spPr>
-          <a:xfrm rot="5400000">
-            <a:off x="3371165" y="1440340"/>
+          <a:xfrm>
+            <a:off x="2837765" y="114300"/>
             <a:ext cx="3594102" cy="2360832"/>
           </a:xfrm>
           <a:prstGeom prst="rect">
@@ -3353,8 +3327,8 @@
         </p:blipFill>
         <p:spPr>
           <a:xfrm>
-            <a:off x="509368" y="3268456"/>
-            <a:ext cx="3244921" cy="3153658"/>
+            <a:off x="184079" y="2538013"/>
+            <a:ext cx="2974707" cy="2891044"/>
           </a:xfrm>
           <a:prstGeom prst="rect">
             <a:avLst/>
@@ -3382,9 +3356,128 @@
           </a:stretch>
         </p:blipFill>
         <p:spPr>
+          <a:xfrm rot="5400000">
+            <a:off x="-1106125" y="6746469"/>
+            <a:ext cx="4366843" cy="1786435"/>
+          </a:xfrm>
+          <a:prstGeom prst="rect">
+            <a:avLst/>
+          </a:prstGeom>
+        </p:spPr>
+      </p:pic>
+      <p:pic>
+        <p:nvPicPr>
+          <p:cNvPr id="16" name="Picture 15">
+            <a:extLst>
+              <a:ext uri="{FF2B5EF4-FFF2-40B4-BE49-F238E27FC236}">
+                <a16:creationId xmlns:a16="http://schemas.microsoft.com/office/drawing/2014/main" id="{38B5D2AC-CCA2-1E61-3FE0-BC584B5CBA4D}"/>
+              </a:ext>
+            </a:extLst>
+          </p:cNvPr>
+          <p:cNvPicPr>
+            <a:picLocks noChangeAspect="1"/>
+          </p:cNvPicPr>
+          <p:nvPr/>
+        </p:nvPicPr>
+        <p:blipFill rotWithShape="1">
+          <a:blip r:embed="rId6"/>
+          <a:srcRect t="7501"/>
+          <a:stretch/>
+        </p:blipFill>
+        <p:spPr>
           <a:xfrm>
-            <a:off x="1044288" y="6985000"/>
-            <a:ext cx="4769424" cy="1951127"/>
+            <a:off x="3416300" y="2487832"/>
+            <a:ext cx="2629455" cy="1951126"/>
+          </a:xfrm>
+          <a:prstGeom prst="rect">
+            <a:avLst/>
+          </a:prstGeom>
+        </p:spPr>
+      </p:pic>
+      <p:pic>
+        <p:nvPicPr>
+          <p:cNvPr id="6" name="Picture 5">
+            <a:extLst>
+              <a:ext uri="{FF2B5EF4-FFF2-40B4-BE49-F238E27FC236}">
+                <a16:creationId xmlns:a16="http://schemas.microsoft.com/office/drawing/2014/main" id="{999718BA-AE84-2232-1B34-23FA914FFA6C}"/>
+              </a:ext>
+            </a:extLst>
+          </p:cNvPr>
+          <p:cNvPicPr>
+            <a:picLocks noChangeAspect="1"/>
+          </p:cNvPicPr>
+          <p:nvPr/>
+        </p:nvPicPr>
+        <p:blipFill>
+          <a:blip r:embed="rId7"/>
+          <a:stretch>
+            <a:fillRect/>
+          </a:stretch>
+        </p:blipFill>
+        <p:spPr>
+          <a:xfrm rot="16200000">
+            <a:off x="4044434" y="3585134"/>
+            <a:ext cx="1399354" cy="3132401"/>
+          </a:xfrm>
+          <a:prstGeom prst="rect">
+            <a:avLst/>
+          </a:prstGeom>
+        </p:spPr>
+      </p:pic>
+      <p:pic>
+        <p:nvPicPr>
+          <p:cNvPr id="9" name="Picture 8">
+            <a:extLst>
+              <a:ext uri="{FF2B5EF4-FFF2-40B4-BE49-F238E27FC236}">
+                <a16:creationId xmlns:a16="http://schemas.microsoft.com/office/drawing/2014/main" id="{86E9F231-F5A5-6A5A-0E79-44B03DB09F12}"/>
+              </a:ext>
+            </a:extLst>
+          </p:cNvPr>
+          <p:cNvPicPr>
+            <a:picLocks noChangeAspect="1"/>
+          </p:cNvPicPr>
+          <p:nvPr/>
+        </p:nvPicPr>
+        <p:blipFill>
+          <a:blip r:embed="rId8"/>
+          <a:stretch>
+            <a:fillRect/>
+          </a:stretch>
+        </p:blipFill>
+        <p:spPr>
+          <a:xfrm>
+            <a:off x="2175303" y="5960060"/>
+            <a:ext cx="2333197" cy="3429330"/>
+          </a:xfrm>
+          <a:prstGeom prst="rect">
+            <a:avLst/>
+          </a:prstGeom>
+        </p:spPr>
+      </p:pic>
+      <p:pic>
+        <p:nvPicPr>
+          <p:cNvPr id="11" name="Picture 10">
+            <a:extLst>
+              <a:ext uri="{FF2B5EF4-FFF2-40B4-BE49-F238E27FC236}">
+                <a16:creationId xmlns:a16="http://schemas.microsoft.com/office/drawing/2014/main" id="{76AC78CD-9B5D-027E-F0C9-961FE24E0B36}"/>
+              </a:ext>
+            </a:extLst>
+          </p:cNvPr>
+          <p:cNvPicPr>
+            <a:picLocks noChangeAspect="1"/>
+          </p:cNvPicPr>
+          <p:nvPr/>
+        </p:nvPicPr>
+        <p:blipFill>
+          <a:blip r:embed="rId9"/>
+          <a:stretch>
+            <a:fillRect/>
+          </a:stretch>
+        </p:blipFill>
+        <p:spPr>
+          <a:xfrm rot="5400000">
+            <a:off x="3658925" y="6883068"/>
+            <a:ext cx="3734050" cy="1786434"/>
           </a:xfrm>
           <a:prstGeom prst="rect">
             <a:avLst/>
@@ -3395,6 +3488,183 @@
     <p:extLst>
       <p:ext uri="{BB962C8B-B14F-4D97-AF65-F5344CB8AC3E}">
         <p14:creationId xmlns:p14="http://schemas.microsoft.com/office/powerpoint/2010/main" val="3187723421"/>
+      </p:ext>
+    </p:extLst>
+  </p:cSld>
+  <p:clrMapOvr>
+    <a:masterClrMapping/>
+  </p:clrMapOvr>
+</p:sld>
+</file>
+
+<file path=ppt/slides/slide3.xml><?xml version="1.0" encoding="utf-8"?>
+<p:sld xmlns:a="http://schemas.openxmlformats.org/drawingml/2006/main" xmlns:r="http://schemas.openxmlformats.org/officeDocument/2006/relationships" xmlns:p="http://schemas.openxmlformats.org/presentationml/2006/main">
+  <p:cSld>
+    <p:spTree>
+      <p:nvGrpSpPr>
+        <p:cNvPr id="1" name=""/>
+        <p:cNvGrpSpPr/>
+        <p:nvPr/>
+      </p:nvGrpSpPr>
+      <p:grpSpPr>
+        <a:xfrm>
+          <a:off x="0" y="0"/>
+          <a:ext cx="0" cy="0"/>
+          <a:chOff x="0" y="0"/>
+          <a:chExt cx="0" cy="0"/>
+        </a:xfrm>
+      </p:grpSpPr>
+      <p:pic>
+        <p:nvPicPr>
+          <p:cNvPr id="3" name="Picture 2">
+            <a:extLst>
+              <a:ext uri="{FF2B5EF4-FFF2-40B4-BE49-F238E27FC236}">
+                <a16:creationId xmlns:a16="http://schemas.microsoft.com/office/drawing/2014/main" id="{5178EE90-96D7-F4C2-CE12-4EBE054D76E9}"/>
+              </a:ext>
+            </a:extLst>
+          </p:cNvPr>
+          <p:cNvPicPr>
+            <a:picLocks noChangeAspect="1"/>
+          </p:cNvPicPr>
+          <p:nvPr/>
+        </p:nvPicPr>
+        <p:blipFill rotWithShape="1">
+          <a:blip r:embed="rId2"/>
+          <a:srcRect l="9630" t="2081" b="6886"/>
+          <a:stretch/>
+        </p:blipFill>
+        <p:spPr>
+          <a:xfrm>
+            <a:off x="154800" y="504650"/>
+            <a:ext cx="6548400" cy="8896699"/>
+          </a:xfrm>
+          <a:prstGeom prst="rect">
+            <a:avLst/>
+          </a:prstGeom>
+        </p:spPr>
+      </p:pic>
+    </p:spTree>
+    <p:extLst>
+      <p:ext uri="{BB962C8B-B14F-4D97-AF65-F5344CB8AC3E}">
+        <p14:creationId xmlns:p14="http://schemas.microsoft.com/office/powerpoint/2010/main" val="1455999241"/>
+      </p:ext>
+    </p:extLst>
+  </p:cSld>
+  <p:clrMapOvr>
+    <a:masterClrMapping/>
+  </p:clrMapOvr>
+</p:sld>
+</file>
+
+<file path=ppt/slides/slide4.xml><?xml version="1.0" encoding="utf-8"?>
+<p:sld xmlns:a="http://schemas.openxmlformats.org/drawingml/2006/main" xmlns:r="http://schemas.openxmlformats.org/officeDocument/2006/relationships" xmlns:p="http://schemas.openxmlformats.org/presentationml/2006/main">
+  <p:cSld>
+    <p:spTree>
+      <p:nvGrpSpPr>
+        <p:cNvPr id="1" name=""/>
+        <p:cNvGrpSpPr/>
+        <p:nvPr/>
+      </p:nvGrpSpPr>
+      <p:grpSpPr>
+        <a:xfrm>
+          <a:off x="0" y="0"/>
+          <a:ext cx="0" cy="0"/>
+          <a:chOff x="0" y="0"/>
+          <a:chExt cx="0" cy="0"/>
+        </a:xfrm>
+      </p:grpSpPr>
+      <p:pic>
+        <p:nvPicPr>
+          <p:cNvPr id="4" name="Picture 3">
+            <a:extLst>
+              <a:ext uri="{FF2B5EF4-FFF2-40B4-BE49-F238E27FC236}">
+                <a16:creationId xmlns:a16="http://schemas.microsoft.com/office/drawing/2014/main" id="{B2C44A7C-F2EB-14F9-2957-DFA27643A1B6}"/>
+              </a:ext>
+            </a:extLst>
+          </p:cNvPr>
+          <p:cNvPicPr>
+            <a:picLocks noChangeAspect="1"/>
+          </p:cNvPicPr>
+          <p:nvPr/>
+        </p:nvPicPr>
+        <p:blipFill rotWithShape="1">
+          <a:blip r:embed="rId2"/>
+          <a:srcRect l="10741" t="3316" b="1257"/>
+          <a:stretch/>
+        </p:blipFill>
+        <p:spPr>
+          <a:xfrm>
+            <a:off x="155657" y="517800"/>
+            <a:ext cx="6546685" cy="8870400"/>
+          </a:xfrm>
+          <a:prstGeom prst="rect">
+            <a:avLst/>
+          </a:prstGeom>
+        </p:spPr>
+      </p:pic>
+    </p:spTree>
+    <p:extLst>
+      <p:ext uri="{BB962C8B-B14F-4D97-AF65-F5344CB8AC3E}">
+        <p14:creationId xmlns:p14="http://schemas.microsoft.com/office/powerpoint/2010/main" val="3955511287"/>
+      </p:ext>
+    </p:extLst>
+  </p:cSld>
+  <p:clrMapOvr>
+    <a:masterClrMapping/>
+  </p:clrMapOvr>
+</p:sld>
+</file>
+
+<file path=ppt/slides/slide5.xml><?xml version="1.0" encoding="utf-8"?>
+<p:sld xmlns:a="http://schemas.openxmlformats.org/drawingml/2006/main" xmlns:r="http://schemas.openxmlformats.org/officeDocument/2006/relationships" xmlns:p="http://schemas.openxmlformats.org/presentationml/2006/main">
+  <p:cSld>
+    <p:spTree>
+      <p:nvGrpSpPr>
+        <p:cNvPr id="1" name=""/>
+        <p:cNvGrpSpPr/>
+        <p:nvPr/>
+      </p:nvGrpSpPr>
+      <p:grpSpPr>
+        <a:xfrm>
+          <a:off x="0" y="0"/>
+          <a:ext cx="0" cy="0"/>
+          <a:chOff x="0" y="0"/>
+          <a:chExt cx="0" cy="0"/>
+        </a:xfrm>
+      </p:grpSpPr>
+      <p:pic>
+        <p:nvPicPr>
+          <p:cNvPr id="2" name="Picture 1">
+            <a:extLst>
+              <a:ext uri="{FF2B5EF4-FFF2-40B4-BE49-F238E27FC236}">
+                <a16:creationId xmlns:a16="http://schemas.microsoft.com/office/drawing/2014/main" id="{0DB627F1-2831-4497-C62B-3C54A642062F}"/>
+              </a:ext>
+            </a:extLst>
+          </p:cNvPr>
+          <p:cNvPicPr>
+            <a:picLocks/>
+          </p:cNvPicPr>
+          <p:nvPr/>
+        </p:nvPicPr>
+        <p:blipFill rotWithShape="1">
+          <a:blip r:embed="rId2"/>
+          <a:srcRect l="8333" t="8534" b="2493"/>
+          <a:stretch/>
+        </p:blipFill>
+        <p:spPr>
+          <a:xfrm>
+            <a:off x="154800" y="517800"/>
+            <a:ext cx="6548400" cy="8870400"/>
+          </a:xfrm>
+          <a:prstGeom prst="rect">
+            <a:avLst/>
+          </a:prstGeom>
+        </p:spPr>
+      </p:pic>
+    </p:spTree>
+    <p:extLst>
+      <p:ext uri="{BB962C8B-B14F-4D97-AF65-F5344CB8AC3E}">
+        <p14:creationId xmlns:p14="http://schemas.microsoft.com/office/powerpoint/2010/main" val="1679153277"/>
       </p:ext>
     </p:extLst>
   </p:cSld>

--- a/Presentation1.pptx
+++ b/Presentation1.pptx
@@ -5,11 +5,7 @@
     <p:sldMasterId id="2147483660" r:id="rId1"/>
   </p:sldMasterIdLst>
   <p:sldIdLst>
-    <p:sldId id="257" r:id="rId2"/>
-    <p:sldId id="258" r:id="rId3"/>
-    <p:sldId id="259" r:id="rId4"/>
-    <p:sldId id="260" r:id="rId5"/>
-    <p:sldId id="261" r:id="rId6"/>
+    <p:sldId id="261" r:id="rId2"/>
   </p:sldIdLst>
   <p:sldSz cx="6858000" cy="9906000" type="A4"/>
   <p:notesSz cx="6858000" cy="9144000"/>
@@ -247,7 +243,7 @@
           <a:p>
             <a:fld id="{511DDE28-6795-46FA-A924-7757604C6881}" type="datetimeFigureOut">
               <a:rPr lang="en-US" smtClean="0"/>
-              <a:t>3/25/2024</a:t>
+              <a:t>3/26/2024</a:t>
             </a:fld>
             <a:endParaRPr lang="en-US"/>
           </a:p>
@@ -417,7 +413,7 @@
           <a:p>
             <a:fld id="{511DDE28-6795-46FA-A924-7757604C6881}" type="datetimeFigureOut">
               <a:rPr lang="en-US" smtClean="0"/>
-              <a:t>3/25/2024</a:t>
+              <a:t>3/26/2024</a:t>
             </a:fld>
             <a:endParaRPr lang="en-US"/>
           </a:p>
@@ -597,7 +593,7 @@
           <a:p>
             <a:fld id="{511DDE28-6795-46FA-A924-7757604C6881}" type="datetimeFigureOut">
               <a:rPr lang="en-US" smtClean="0"/>
-              <a:t>3/25/2024</a:t>
+              <a:t>3/26/2024</a:t>
             </a:fld>
             <a:endParaRPr lang="en-US"/>
           </a:p>
@@ -767,7 +763,7 @@
           <a:p>
             <a:fld id="{511DDE28-6795-46FA-A924-7757604C6881}" type="datetimeFigureOut">
               <a:rPr lang="en-US" smtClean="0"/>
-              <a:t>3/25/2024</a:t>
+              <a:t>3/26/2024</a:t>
             </a:fld>
             <a:endParaRPr lang="en-US"/>
           </a:p>
@@ -1011,7 +1007,7 @@
           <a:p>
             <a:fld id="{511DDE28-6795-46FA-A924-7757604C6881}" type="datetimeFigureOut">
               <a:rPr lang="en-US" smtClean="0"/>
-              <a:t>3/25/2024</a:t>
+              <a:t>3/26/2024</a:t>
             </a:fld>
             <a:endParaRPr lang="en-US"/>
           </a:p>
@@ -1243,7 +1239,7 @@
           <a:p>
             <a:fld id="{511DDE28-6795-46FA-A924-7757604C6881}" type="datetimeFigureOut">
               <a:rPr lang="en-US" smtClean="0"/>
-              <a:t>3/25/2024</a:t>
+              <a:t>3/26/2024</a:t>
             </a:fld>
             <a:endParaRPr lang="en-US"/>
           </a:p>
@@ -1610,7 +1606,7 @@
           <a:p>
             <a:fld id="{511DDE28-6795-46FA-A924-7757604C6881}" type="datetimeFigureOut">
               <a:rPr lang="en-US" smtClean="0"/>
-              <a:t>3/25/2024</a:t>
+              <a:t>3/26/2024</a:t>
             </a:fld>
             <a:endParaRPr lang="en-US"/>
           </a:p>
@@ -1728,7 +1724,7 @@
           <a:p>
             <a:fld id="{511DDE28-6795-46FA-A924-7757604C6881}" type="datetimeFigureOut">
               <a:rPr lang="en-US" smtClean="0"/>
-              <a:t>3/25/2024</a:t>
+              <a:t>3/26/2024</a:t>
             </a:fld>
             <a:endParaRPr lang="en-US"/>
           </a:p>
@@ -1823,7 +1819,7 @@
           <a:p>
             <a:fld id="{511DDE28-6795-46FA-A924-7757604C6881}" type="datetimeFigureOut">
               <a:rPr lang="en-US" smtClean="0"/>
-              <a:t>3/25/2024</a:t>
+              <a:t>3/26/2024</a:t>
             </a:fld>
             <a:endParaRPr lang="en-US"/>
           </a:p>
@@ -2100,7 +2096,7 @@
           <a:p>
             <a:fld id="{511DDE28-6795-46FA-A924-7757604C6881}" type="datetimeFigureOut">
               <a:rPr lang="en-US" smtClean="0"/>
-              <a:t>3/25/2024</a:t>
+              <a:t>3/26/2024</a:t>
             </a:fld>
             <a:endParaRPr lang="en-US"/>
           </a:p>
@@ -2357,7 +2353,7 @@
           <a:p>
             <a:fld id="{511DDE28-6795-46FA-A924-7757604C6881}" type="datetimeFigureOut">
               <a:rPr lang="en-US" smtClean="0"/>
-              <a:t>3/25/2024</a:t>
+              <a:t>3/26/2024</a:t>
             </a:fld>
             <a:endParaRPr lang="en-US"/>
           </a:p>
@@ -2570,7 +2566,7 @@
           <a:p>
             <a:fld id="{511DDE28-6795-46FA-A924-7757604C6881}" type="datetimeFigureOut">
               <a:rPr lang="en-US" smtClean="0"/>
-              <a:t>3/25/2024</a:t>
+              <a:t>3/26/2024</a:t>
             </a:fld>
             <a:endParaRPr lang="en-US"/>
           </a:p>
@@ -2977,10 +2973,10 @@
       </p:grpSpPr>
       <p:pic>
         <p:nvPicPr>
-          <p:cNvPr id="3" name="Picture 2">
+          <p:cNvPr id="4" name="Picture 3">
             <a:extLst>
               <a:ext uri="{FF2B5EF4-FFF2-40B4-BE49-F238E27FC236}">
-                <a16:creationId xmlns:a16="http://schemas.microsoft.com/office/drawing/2014/main" id="{55F85503-784B-DF47-44C4-D74E59626197}"/>
+                <a16:creationId xmlns:a16="http://schemas.microsoft.com/office/drawing/2014/main" id="{AFC6BA1D-574C-1D44-A8E0-5523A2E672F4}"/>
               </a:ext>
             </a:extLst>
           </p:cNvPr>
@@ -2997,8 +2993,8 @@
         </p:blipFill>
         <p:spPr>
           <a:xfrm>
-            <a:off x="117239" y="139514"/>
-            <a:ext cx="3227578" cy="2552886"/>
+            <a:off x="169733" y="2718156"/>
+            <a:ext cx="2247301" cy="1258959"/>
           </a:xfrm>
           <a:prstGeom prst="rect">
             <a:avLst/>
@@ -3007,10 +3003,10 @@
       </p:pic>
       <p:pic>
         <p:nvPicPr>
-          <p:cNvPr id="4" name="Picture 3">
+          <p:cNvPr id="6" name="Picture 5">
             <a:extLst>
               <a:ext uri="{FF2B5EF4-FFF2-40B4-BE49-F238E27FC236}">
-                <a16:creationId xmlns:a16="http://schemas.microsoft.com/office/drawing/2014/main" id="{38D5A7F8-32DB-A93F-E7DB-3D67EA3FDD9C}"/>
+                <a16:creationId xmlns:a16="http://schemas.microsoft.com/office/drawing/2014/main" id="{62124AEF-7C9E-9338-4345-08C380733E0E}"/>
               </a:ext>
             </a:extLst>
           </p:cNvPr>
@@ -3027,8 +3023,8 @@
         </p:blipFill>
         <p:spPr>
           <a:xfrm>
-            <a:off x="3513184" y="7374591"/>
-            <a:ext cx="2903584" cy="1810663"/>
+            <a:off x="169733" y="152400"/>
+            <a:ext cx="3754567" cy="2553056"/>
           </a:xfrm>
           <a:prstGeom prst="rect">
             <a:avLst/>
@@ -3037,10 +3033,10 @@
       </p:pic>
       <p:pic>
         <p:nvPicPr>
-          <p:cNvPr id="6" name="Picture 5">
+          <p:cNvPr id="8" name="Picture 7">
             <a:extLst>
               <a:ext uri="{FF2B5EF4-FFF2-40B4-BE49-F238E27FC236}">
-                <a16:creationId xmlns:a16="http://schemas.microsoft.com/office/drawing/2014/main" id="{06FF2A8A-C51A-A0A9-E1AE-4C68D38398CE}"/>
+                <a16:creationId xmlns:a16="http://schemas.microsoft.com/office/drawing/2014/main" id="{40219EBB-277E-F8F5-8BAA-D7BAA05DE78C}"/>
               </a:ext>
             </a:extLst>
           </p:cNvPr>
@@ -3057,8 +3053,8 @@
         </p:blipFill>
         <p:spPr>
           <a:xfrm>
-            <a:off x="117238" y="7374591"/>
-            <a:ext cx="3000882" cy="1806653"/>
+            <a:off x="2447067" y="2718155"/>
+            <a:ext cx="4271233" cy="1258959"/>
           </a:xfrm>
           <a:prstGeom prst="rect">
             <a:avLst/>
@@ -3067,10 +3063,10 @@
       </p:pic>
       <p:pic>
         <p:nvPicPr>
-          <p:cNvPr id="8" name="Picture 7">
+          <p:cNvPr id="10" name="Picture 9">
             <a:extLst>
               <a:ext uri="{FF2B5EF4-FFF2-40B4-BE49-F238E27FC236}">
-                <a16:creationId xmlns:a16="http://schemas.microsoft.com/office/drawing/2014/main" id="{694D41DE-8B92-A45F-8CCB-154695799574}"/>
+                <a16:creationId xmlns:a16="http://schemas.microsoft.com/office/drawing/2014/main" id="{A14E1355-46A1-E321-3253-DE175B8ED0E6}"/>
               </a:ext>
             </a:extLst>
           </p:cNvPr>
@@ -3087,8 +3083,8 @@
         </p:blipFill>
         <p:spPr>
           <a:xfrm>
-            <a:off x="117238" y="2730500"/>
-            <a:ext cx="3227577" cy="2278289"/>
+            <a:off x="4024192" y="152400"/>
+            <a:ext cx="2389308" cy="2553056"/>
           </a:xfrm>
           <a:prstGeom prst="rect">
             <a:avLst/>
@@ -3097,10 +3093,10 @@
       </p:pic>
       <p:pic>
         <p:nvPicPr>
-          <p:cNvPr id="10" name="Picture 9">
+          <p:cNvPr id="12" name="Picture 11">
             <a:extLst>
               <a:ext uri="{FF2B5EF4-FFF2-40B4-BE49-F238E27FC236}">
-                <a16:creationId xmlns:a16="http://schemas.microsoft.com/office/drawing/2014/main" id="{CEFAD19D-B4F6-777C-3EC7-7003ED211968}"/>
+                <a16:creationId xmlns:a16="http://schemas.microsoft.com/office/drawing/2014/main" id="{E681411A-567C-F47E-013C-F1186C61DB1C}"/>
               </a:ext>
             </a:extLst>
           </p:cNvPr>
@@ -3117,544 +3113,8 @@
         </p:blipFill>
         <p:spPr>
           <a:xfrm>
-            <a:off x="3422443" y="3087821"/>
-            <a:ext cx="3143456" cy="1899362"/>
-          </a:xfrm>
-          <a:prstGeom prst="rect">
-            <a:avLst/>
-          </a:prstGeom>
-        </p:spPr>
-      </p:pic>
-      <p:pic>
-        <p:nvPicPr>
-          <p:cNvPr id="12" name="Picture 11">
-            <a:extLst>
-              <a:ext uri="{FF2B5EF4-FFF2-40B4-BE49-F238E27FC236}">
-                <a16:creationId xmlns:a16="http://schemas.microsoft.com/office/drawing/2014/main" id="{3F9634A4-C587-780A-A9FC-683C8AEB8E9F}"/>
-              </a:ext>
-            </a:extLst>
-          </p:cNvPr>
-          <p:cNvPicPr>
-            <a:picLocks noChangeAspect="1"/>
-          </p:cNvPicPr>
-          <p:nvPr/>
-        </p:nvPicPr>
-        <p:blipFill>
-          <a:blip r:embed="rId7"/>
-          <a:stretch>
-            <a:fillRect/>
-          </a:stretch>
-        </p:blipFill>
-        <p:spPr>
-          <a:xfrm>
-            <a:off x="4247716" y="5008788"/>
-            <a:ext cx="2513400" cy="2124000"/>
-          </a:xfrm>
-          <a:prstGeom prst="rect">
-            <a:avLst/>
-          </a:prstGeom>
-        </p:spPr>
-      </p:pic>
-      <p:pic>
-        <p:nvPicPr>
-          <p:cNvPr id="14" name="Picture 13">
-            <a:extLst>
-              <a:ext uri="{FF2B5EF4-FFF2-40B4-BE49-F238E27FC236}">
-                <a16:creationId xmlns:a16="http://schemas.microsoft.com/office/drawing/2014/main" id="{457A46A9-CCAF-6090-E73D-8F25ED80AC39}"/>
-              </a:ext>
-            </a:extLst>
-          </p:cNvPr>
-          <p:cNvPicPr>
-            <a:picLocks noChangeAspect="1"/>
-          </p:cNvPicPr>
-          <p:nvPr/>
-        </p:nvPicPr>
-        <p:blipFill>
-          <a:blip r:embed="rId8"/>
-          <a:stretch>
-            <a:fillRect/>
-          </a:stretch>
-        </p:blipFill>
-        <p:spPr>
-          <a:xfrm>
-            <a:off x="117238" y="5046887"/>
-            <a:ext cx="4105079" cy="2268000"/>
-          </a:xfrm>
-          <a:prstGeom prst="rect">
-            <a:avLst/>
-          </a:prstGeom>
-        </p:spPr>
-      </p:pic>
-      <p:pic>
-        <p:nvPicPr>
-          <p:cNvPr id="18" name="Picture 17">
-            <a:extLst>
-              <a:ext uri="{FF2B5EF4-FFF2-40B4-BE49-F238E27FC236}">
-                <a16:creationId xmlns:a16="http://schemas.microsoft.com/office/drawing/2014/main" id="{163D12B7-ABA7-CCB5-67F5-548866E70DC4}"/>
-              </a:ext>
-            </a:extLst>
-          </p:cNvPr>
-          <p:cNvPicPr>
-            <a:picLocks noChangeAspect="1"/>
-          </p:cNvPicPr>
-          <p:nvPr/>
-        </p:nvPicPr>
-        <p:blipFill>
-          <a:blip r:embed="rId9"/>
-          <a:stretch>
-            <a:fillRect/>
-          </a:stretch>
-        </p:blipFill>
-        <p:spPr>
-          <a:xfrm>
-            <a:off x="3513184" y="142212"/>
-            <a:ext cx="2735215" cy="2907511"/>
-          </a:xfrm>
-          <a:prstGeom prst="rect">
-            <a:avLst/>
-          </a:prstGeom>
-        </p:spPr>
-      </p:pic>
-    </p:spTree>
-    <p:extLst>
-      <p:ext uri="{BB962C8B-B14F-4D97-AF65-F5344CB8AC3E}">
-        <p14:creationId xmlns:p14="http://schemas.microsoft.com/office/powerpoint/2010/main" val="2853134284"/>
-      </p:ext>
-    </p:extLst>
-  </p:cSld>
-  <p:clrMapOvr>
-    <a:masterClrMapping/>
-  </p:clrMapOvr>
-</p:sld>
-</file>
-
-<file path=ppt/slides/slide2.xml><?xml version="1.0" encoding="utf-8"?>
-<p:sld xmlns:a="http://schemas.openxmlformats.org/drawingml/2006/main" xmlns:r="http://schemas.openxmlformats.org/officeDocument/2006/relationships" xmlns:p="http://schemas.openxmlformats.org/presentationml/2006/main">
-  <p:cSld>
-    <p:spTree>
-      <p:nvGrpSpPr>
-        <p:cNvPr id="1" name=""/>
-        <p:cNvGrpSpPr/>
-        <p:nvPr/>
-      </p:nvGrpSpPr>
-      <p:grpSpPr>
-        <a:xfrm>
-          <a:off x="0" y="0"/>
-          <a:ext cx="0" cy="0"/>
-          <a:chOff x="0" y="0"/>
-          <a:chExt cx="0" cy="0"/>
-        </a:xfrm>
-      </p:grpSpPr>
-      <p:pic>
-        <p:nvPicPr>
-          <p:cNvPr id="3" name="Picture 2">
-            <a:extLst>
-              <a:ext uri="{FF2B5EF4-FFF2-40B4-BE49-F238E27FC236}">
-                <a16:creationId xmlns:a16="http://schemas.microsoft.com/office/drawing/2014/main" id="{716579BF-BCB8-8673-76FC-2034AB3F3FA6}"/>
-              </a:ext>
-            </a:extLst>
-          </p:cNvPr>
-          <p:cNvPicPr>
-            <a:picLocks noChangeAspect="1"/>
-          </p:cNvPicPr>
-          <p:nvPr/>
-        </p:nvPicPr>
-        <p:blipFill>
-          <a:blip r:embed="rId2"/>
-          <a:stretch>
-            <a:fillRect/>
-          </a:stretch>
-        </p:blipFill>
-        <p:spPr>
-          <a:xfrm>
-            <a:off x="184079" y="114300"/>
-            <a:ext cx="2317821" cy="2371105"/>
-          </a:xfrm>
-          <a:prstGeom prst="rect">
-            <a:avLst/>
-          </a:prstGeom>
-        </p:spPr>
-      </p:pic>
-      <p:pic>
-        <p:nvPicPr>
-          <p:cNvPr id="5" name="Picture 4">
-            <a:extLst>
-              <a:ext uri="{FF2B5EF4-FFF2-40B4-BE49-F238E27FC236}">
-                <a16:creationId xmlns:a16="http://schemas.microsoft.com/office/drawing/2014/main" id="{F5683BF9-05F9-6456-3D5C-62588E89F6AB}"/>
-              </a:ext>
-            </a:extLst>
-          </p:cNvPr>
-          <p:cNvPicPr>
-            <a:picLocks noChangeAspect="1"/>
-          </p:cNvPicPr>
-          <p:nvPr/>
-        </p:nvPicPr>
-        <p:blipFill>
-          <a:blip r:embed="rId3"/>
-          <a:stretch>
-            <a:fillRect/>
-          </a:stretch>
-        </p:blipFill>
-        <p:spPr>
-          <a:xfrm>
-            <a:off x="2837765" y="114300"/>
-            <a:ext cx="3594102" cy="2360832"/>
-          </a:xfrm>
-          <a:prstGeom prst="rect">
-            <a:avLst/>
-          </a:prstGeom>
-        </p:spPr>
-      </p:pic>
-      <p:pic>
-        <p:nvPicPr>
-          <p:cNvPr id="4" name="Picture 3">
-            <a:extLst>
-              <a:ext uri="{FF2B5EF4-FFF2-40B4-BE49-F238E27FC236}">
-                <a16:creationId xmlns:a16="http://schemas.microsoft.com/office/drawing/2014/main" id="{A2E4CFFF-68C3-55EA-8A63-4843CB056459}"/>
-              </a:ext>
-            </a:extLst>
-          </p:cNvPr>
-          <p:cNvPicPr>
-            <a:picLocks noChangeAspect="1"/>
-          </p:cNvPicPr>
-          <p:nvPr/>
-        </p:nvPicPr>
-        <p:blipFill>
-          <a:blip r:embed="rId4"/>
-          <a:stretch>
-            <a:fillRect/>
-          </a:stretch>
-        </p:blipFill>
-        <p:spPr>
-          <a:xfrm>
-            <a:off x="184079" y="2538013"/>
-            <a:ext cx="2974707" cy="2891044"/>
-          </a:xfrm>
-          <a:prstGeom prst="rect">
-            <a:avLst/>
-          </a:prstGeom>
-        </p:spPr>
-      </p:pic>
-      <p:pic>
-        <p:nvPicPr>
-          <p:cNvPr id="7" name="Picture 6">
-            <a:extLst>
-              <a:ext uri="{FF2B5EF4-FFF2-40B4-BE49-F238E27FC236}">
-                <a16:creationId xmlns:a16="http://schemas.microsoft.com/office/drawing/2014/main" id="{C101222E-2174-AE51-8000-0D78E9411EDB}"/>
-              </a:ext>
-            </a:extLst>
-          </p:cNvPr>
-          <p:cNvPicPr>
-            <a:picLocks noChangeAspect="1"/>
-          </p:cNvPicPr>
-          <p:nvPr/>
-        </p:nvPicPr>
-        <p:blipFill>
-          <a:blip r:embed="rId5"/>
-          <a:stretch>
-            <a:fillRect/>
-          </a:stretch>
-        </p:blipFill>
-        <p:spPr>
-          <a:xfrm rot="5400000">
-            <a:off x="-1106125" y="6746469"/>
-            <a:ext cx="4366843" cy="1786435"/>
-          </a:xfrm>
-          <a:prstGeom prst="rect">
-            <a:avLst/>
-          </a:prstGeom>
-        </p:spPr>
-      </p:pic>
-      <p:pic>
-        <p:nvPicPr>
-          <p:cNvPr id="16" name="Picture 15">
-            <a:extLst>
-              <a:ext uri="{FF2B5EF4-FFF2-40B4-BE49-F238E27FC236}">
-                <a16:creationId xmlns:a16="http://schemas.microsoft.com/office/drawing/2014/main" id="{38B5D2AC-CCA2-1E61-3FE0-BC584B5CBA4D}"/>
-              </a:ext>
-            </a:extLst>
-          </p:cNvPr>
-          <p:cNvPicPr>
-            <a:picLocks noChangeAspect="1"/>
-          </p:cNvPicPr>
-          <p:nvPr/>
-        </p:nvPicPr>
-        <p:blipFill rotWithShape="1">
-          <a:blip r:embed="rId6"/>
-          <a:srcRect t="7501"/>
-          <a:stretch/>
-        </p:blipFill>
-        <p:spPr>
-          <a:xfrm>
-            <a:off x="3416300" y="2487832"/>
-            <a:ext cx="2629455" cy="1951126"/>
-          </a:xfrm>
-          <a:prstGeom prst="rect">
-            <a:avLst/>
-          </a:prstGeom>
-        </p:spPr>
-      </p:pic>
-      <p:pic>
-        <p:nvPicPr>
-          <p:cNvPr id="6" name="Picture 5">
-            <a:extLst>
-              <a:ext uri="{FF2B5EF4-FFF2-40B4-BE49-F238E27FC236}">
-                <a16:creationId xmlns:a16="http://schemas.microsoft.com/office/drawing/2014/main" id="{999718BA-AE84-2232-1B34-23FA914FFA6C}"/>
-              </a:ext>
-            </a:extLst>
-          </p:cNvPr>
-          <p:cNvPicPr>
-            <a:picLocks noChangeAspect="1"/>
-          </p:cNvPicPr>
-          <p:nvPr/>
-        </p:nvPicPr>
-        <p:blipFill>
-          <a:blip r:embed="rId7"/>
-          <a:stretch>
-            <a:fillRect/>
-          </a:stretch>
-        </p:blipFill>
-        <p:spPr>
-          <a:xfrm rot="16200000">
-            <a:off x="4044434" y="3585134"/>
-            <a:ext cx="1399354" cy="3132401"/>
-          </a:xfrm>
-          <a:prstGeom prst="rect">
-            <a:avLst/>
-          </a:prstGeom>
-        </p:spPr>
-      </p:pic>
-      <p:pic>
-        <p:nvPicPr>
-          <p:cNvPr id="9" name="Picture 8">
-            <a:extLst>
-              <a:ext uri="{FF2B5EF4-FFF2-40B4-BE49-F238E27FC236}">
-                <a16:creationId xmlns:a16="http://schemas.microsoft.com/office/drawing/2014/main" id="{86E9F231-F5A5-6A5A-0E79-44B03DB09F12}"/>
-              </a:ext>
-            </a:extLst>
-          </p:cNvPr>
-          <p:cNvPicPr>
-            <a:picLocks noChangeAspect="1"/>
-          </p:cNvPicPr>
-          <p:nvPr/>
-        </p:nvPicPr>
-        <p:blipFill>
-          <a:blip r:embed="rId8"/>
-          <a:stretch>
-            <a:fillRect/>
-          </a:stretch>
-        </p:blipFill>
-        <p:spPr>
-          <a:xfrm>
-            <a:off x="2175303" y="5960060"/>
-            <a:ext cx="2333197" cy="3429330"/>
-          </a:xfrm>
-          <a:prstGeom prst="rect">
-            <a:avLst/>
-          </a:prstGeom>
-        </p:spPr>
-      </p:pic>
-      <p:pic>
-        <p:nvPicPr>
-          <p:cNvPr id="11" name="Picture 10">
-            <a:extLst>
-              <a:ext uri="{FF2B5EF4-FFF2-40B4-BE49-F238E27FC236}">
-                <a16:creationId xmlns:a16="http://schemas.microsoft.com/office/drawing/2014/main" id="{76AC78CD-9B5D-027E-F0C9-961FE24E0B36}"/>
-              </a:ext>
-            </a:extLst>
-          </p:cNvPr>
-          <p:cNvPicPr>
-            <a:picLocks noChangeAspect="1"/>
-          </p:cNvPicPr>
-          <p:nvPr/>
-        </p:nvPicPr>
-        <p:blipFill>
-          <a:blip r:embed="rId9"/>
-          <a:stretch>
-            <a:fillRect/>
-          </a:stretch>
-        </p:blipFill>
-        <p:spPr>
-          <a:xfrm rot="5400000">
-            <a:off x="3658925" y="6883068"/>
-            <a:ext cx="3734050" cy="1786434"/>
-          </a:xfrm>
-          <a:prstGeom prst="rect">
-            <a:avLst/>
-          </a:prstGeom>
-        </p:spPr>
-      </p:pic>
-    </p:spTree>
-    <p:extLst>
-      <p:ext uri="{BB962C8B-B14F-4D97-AF65-F5344CB8AC3E}">
-        <p14:creationId xmlns:p14="http://schemas.microsoft.com/office/powerpoint/2010/main" val="3187723421"/>
-      </p:ext>
-    </p:extLst>
-  </p:cSld>
-  <p:clrMapOvr>
-    <a:masterClrMapping/>
-  </p:clrMapOvr>
-</p:sld>
-</file>
-
-<file path=ppt/slides/slide3.xml><?xml version="1.0" encoding="utf-8"?>
-<p:sld xmlns:a="http://schemas.openxmlformats.org/drawingml/2006/main" xmlns:r="http://schemas.openxmlformats.org/officeDocument/2006/relationships" xmlns:p="http://schemas.openxmlformats.org/presentationml/2006/main">
-  <p:cSld>
-    <p:spTree>
-      <p:nvGrpSpPr>
-        <p:cNvPr id="1" name=""/>
-        <p:cNvGrpSpPr/>
-        <p:nvPr/>
-      </p:nvGrpSpPr>
-      <p:grpSpPr>
-        <a:xfrm>
-          <a:off x="0" y="0"/>
-          <a:ext cx="0" cy="0"/>
-          <a:chOff x="0" y="0"/>
-          <a:chExt cx="0" cy="0"/>
-        </a:xfrm>
-      </p:grpSpPr>
-      <p:pic>
-        <p:nvPicPr>
-          <p:cNvPr id="3" name="Picture 2">
-            <a:extLst>
-              <a:ext uri="{FF2B5EF4-FFF2-40B4-BE49-F238E27FC236}">
-                <a16:creationId xmlns:a16="http://schemas.microsoft.com/office/drawing/2014/main" id="{5178EE90-96D7-F4C2-CE12-4EBE054D76E9}"/>
-              </a:ext>
-            </a:extLst>
-          </p:cNvPr>
-          <p:cNvPicPr>
-            <a:picLocks noChangeAspect="1"/>
-          </p:cNvPicPr>
-          <p:nvPr/>
-        </p:nvPicPr>
-        <p:blipFill rotWithShape="1">
-          <a:blip r:embed="rId2"/>
-          <a:srcRect l="9630" t="2081" b="6886"/>
-          <a:stretch/>
-        </p:blipFill>
-        <p:spPr>
-          <a:xfrm>
-            <a:off x="154800" y="504650"/>
-            <a:ext cx="6548400" cy="8896699"/>
-          </a:xfrm>
-          <a:prstGeom prst="rect">
-            <a:avLst/>
-          </a:prstGeom>
-        </p:spPr>
-      </p:pic>
-    </p:spTree>
-    <p:extLst>
-      <p:ext uri="{BB962C8B-B14F-4D97-AF65-F5344CB8AC3E}">
-        <p14:creationId xmlns:p14="http://schemas.microsoft.com/office/powerpoint/2010/main" val="1455999241"/>
-      </p:ext>
-    </p:extLst>
-  </p:cSld>
-  <p:clrMapOvr>
-    <a:masterClrMapping/>
-  </p:clrMapOvr>
-</p:sld>
-</file>
-
-<file path=ppt/slides/slide4.xml><?xml version="1.0" encoding="utf-8"?>
-<p:sld xmlns:a="http://schemas.openxmlformats.org/drawingml/2006/main" xmlns:r="http://schemas.openxmlformats.org/officeDocument/2006/relationships" xmlns:p="http://schemas.openxmlformats.org/presentationml/2006/main">
-  <p:cSld>
-    <p:spTree>
-      <p:nvGrpSpPr>
-        <p:cNvPr id="1" name=""/>
-        <p:cNvGrpSpPr/>
-        <p:nvPr/>
-      </p:nvGrpSpPr>
-      <p:grpSpPr>
-        <a:xfrm>
-          <a:off x="0" y="0"/>
-          <a:ext cx="0" cy="0"/>
-          <a:chOff x="0" y="0"/>
-          <a:chExt cx="0" cy="0"/>
-        </a:xfrm>
-      </p:grpSpPr>
-      <p:pic>
-        <p:nvPicPr>
-          <p:cNvPr id="4" name="Picture 3">
-            <a:extLst>
-              <a:ext uri="{FF2B5EF4-FFF2-40B4-BE49-F238E27FC236}">
-                <a16:creationId xmlns:a16="http://schemas.microsoft.com/office/drawing/2014/main" id="{B2C44A7C-F2EB-14F9-2957-DFA27643A1B6}"/>
-              </a:ext>
-            </a:extLst>
-          </p:cNvPr>
-          <p:cNvPicPr>
-            <a:picLocks noChangeAspect="1"/>
-          </p:cNvPicPr>
-          <p:nvPr/>
-        </p:nvPicPr>
-        <p:blipFill rotWithShape="1">
-          <a:blip r:embed="rId2"/>
-          <a:srcRect l="10741" t="3316" b="1257"/>
-          <a:stretch/>
-        </p:blipFill>
-        <p:spPr>
-          <a:xfrm>
-            <a:off x="155657" y="517800"/>
-            <a:ext cx="6546685" cy="8870400"/>
-          </a:xfrm>
-          <a:prstGeom prst="rect">
-            <a:avLst/>
-          </a:prstGeom>
-        </p:spPr>
-      </p:pic>
-    </p:spTree>
-    <p:extLst>
-      <p:ext uri="{BB962C8B-B14F-4D97-AF65-F5344CB8AC3E}">
-        <p14:creationId xmlns:p14="http://schemas.microsoft.com/office/powerpoint/2010/main" val="3955511287"/>
-      </p:ext>
-    </p:extLst>
-  </p:cSld>
-  <p:clrMapOvr>
-    <a:masterClrMapping/>
-  </p:clrMapOvr>
-</p:sld>
-</file>
-
-<file path=ppt/slides/slide5.xml><?xml version="1.0" encoding="utf-8"?>
-<p:sld xmlns:a="http://schemas.openxmlformats.org/drawingml/2006/main" xmlns:r="http://schemas.openxmlformats.org/officeDocument/2006/relationships" xmlns:p="http://schemas.openxmlformats.org/presentationml/2006/main">
-  <p:cSld>
-    <p:spTree>
-      <p:nvGrpSpPr>
-        <p:cNvPr id="1" name=""/>
-        <p:cNvGrpSpPr/>
-        <p:nvPr/>
-      </p:nvGrpSpPr>
-      <p:grpSpPr>
-        <a:xfrm>
-          <a:off x="0" y="0"/>
-          <a:ext cx="0" cy="0"/>
-          <a:chOff x="0" y="0"/>
-          <a:chExt cx="0" cy="0"/>
-        </a:xfrm>
-      </p:grpSpPr>
-      <p:pic>
-        <p:nvPicPr>
-          <p:cNvPr id="2" name="Picture 1">
-            <a:extLst>
-              <a:ext uri="{FF2B5EF4-FFF2-40B4-BE49-F238E27FC236}">
-                <a16:creationId xmlns:a16="http://schemas.microsoft.com/office/drawing/2014/main" id="{0DB627F1-2831-4497-C62B-3C54A642062F}"/>
-              </a:ext>
-            </a:extLst>
-          </p:cNvPr>
-          <p:cNvPicPr>
-            <a:picLocks/>
-          </p:cNvPicPr>
-          <p:nvPr/>
-        </p:nvPicPr>
-        <p:blipFill rotWithShape="1">
-          <a:blip r:embed="rId2"/>
-          <a:srcRect l="8333" t="8534" b="2493"/>
-          <a:stretch/>
-        </p:blipFill>
-        <p:spPr>
-          <a:xfrm>
-            <a:off x="154800" y="517800"/>
-            <a:ext cx="6548400" cy="8870400"/>
+            <a:off x="169733" y="3989814"/>
+            <a:ext cx="2154972" cy="1077485"/>
           </a:xfrm>
           <a:prstGeom prst="rect">
             <a:avLst/>

--- a/Presentation1.pptx
+++ b/Presentation1.pptx
@@ -5,7 +5,7 @@
     <p:sldMasterId id="2147483660" r:id="rId1"/>
   </p:sldMasterIdLst>
   <p:sldIdLst>
-    <p:sldId id="261" r:id="rId2"/>
+    <p:sldId id="256" r:id="rId2"/>
   </p:sldIdLst>
   <p:sldSz cx="6858000" cy="9906000" type="A4"/>
   <p:notesSz cx="6858000" cy="9144000"/>
@@ -243,7 +243,7 @@
           <a:p>
             <a:fld id="{511DDE28-6795-46FA-A924-7757604C6881}" type="datetimeFigureOut">
               <a:rPr lang="en-US" smtClean="0"/>
-              <a:t>3/26/2024</a:t>
+              <a:t>4/24/2024</a:t>
             </a:fld>
             <a:endParaRPr lang="en-US"/>
           </a:p>
@@ -413,7 +413,7 @@
           <a:p>
             <a:fld id="{511DDE28-6795-46FA-A924-7757604C6881}" type="datetimeFigureOut">
               <a:rPr lang="en-US" smtClean="0"/>
-              <a:t>3/26/2024</a:t>
+              <a:t>4/24/2024</a:t>
             </a:fld>
             <a:endParaRPr lang="en-US"/>
           </a:p>
@@ -593,7 +593,7 @@
           <a:p>
             <a:fld id="{511DDE28-6795-46FA-A924-7757604C6881}" type="datetimeFigureOut">
               <a:rPr lang="en-US" smtClean="0"/>
-              <a:t>3/26/2024</a:t>
+              <a:t>4/24/2024</a:t>
             </a:fld>
             <a:endParaRPr lang="en-US"/>
           </a:p>
@@ -763,7 +763,7 @@
           <a:p>
             <a:fld id="{511DDE28-6795-46FA-A924-7757604C6881}" type="datetimeFigureOut">
               <a:rPr lang="en-US" smtClean="0"/>
-              <a:t>3/26/2024</a:t>
+              <a:t>4/24/2024</a:t>
             </a:fld>
             <a:endParaRPr lang="en-US"/>
           </a:p>
@@ -1007,7 +1007,7 @@
           <a:p>
             <a:fld id="{511DDE28-6795-46FA-A924-7757604C6881}" type="datetimeFigureOut">
               <a:rPr lang="en-US" smtClean="0"/>
-              <a:t>3/26/2024</a:t>
+              <a:t>4/24/2024</a:t>
             </a:fld>
             <a:endParaRPr lang="en-US"/>
           </a:p>
@@ -1239,7 +1239,7 @@
           <a:p>
             <a:fld id="{511DDE28-6795-46FA-A924-7757604C6881}" type="datetimeFigureOut">
               <a:rPr lang="en-US" smtClean="0"/>
-              <a:t>3/26/2024</a:t>
+              <a:t>4/24/2024</a:t>
             </a:fld>
             <a:endParaRPr lang="en-US"/>
           </a:p>
@@ -1606,7 +1606,7 @@
           <a:p>
             <a:fld id="{511DDE28-6795-46FA-A924-7757604C6881}" type="datetimeFigureOut">
               <a:rPr lang="en-US" smtClean="0"/>
-              <a:t>3/26/2024</a:t>
+              <a:t>4/24/2024</a:t>
             </a:fld>
             <a:endParaRPr lang="en-US"/>
           </a:p>
@@ -1724,7 +1724,7 @@
           <a:p>
             <a:fld id="{511DDE28-6795-46FA-A924-7757604C6881}" type="datetimeFigureOut">
               <a:rPr lang="en-US" smtClean="0"/>
-              <a:t>3/26/2024</a:t>
+              <a:t>4/24/2024</a:t>
             </a:fld>
             <a:endParaRPr lang="en-US"/>
           </a:p>
@@ -1819,7 +1819,7 @@
           <a:p>
             <a:fld id="{511DDE28-6795-46FA-A924-7757604C6881}" type="datetimeFigureOut">
               <a:rPr lang="en-US" smtClean="0"/>
-              <a:t>3/26/2024</a:t>
+              <a:t>4/24/2024</a:t>
             </a:fld>
             <a:endParaRPr lang="en-US"/>
           </a:p>
@@ -2096,7 +2096,7 @@
           <a:p>
             <a:fld id="{511DDE28-6795-46FA-A924-7757604C6881}" type="datetimeFigureOut">
               <a:rPr lang="en-US" smtClean="0"/>
-              <a:t>3/26/2024</a:t>
+              <a:t>4/24/2024</a:t>
             </a:fld>
             <a:endParaRPr lang="en-US"/>
           </a:p>
@@ -2353,7 +2353,7 @@
           <a:p>
             <a:fld id="{511DDE28-6795-46FA-A924-7757604C6881}" type="datetimeFigureOut">
               <a:rPr lang="en-US" smtClean="0"/>
-              <a:t>3/26/2024</a:t>
+              <a:t>4/24/2024</a:t>
             </a:fld>
             <a:endParaRPr lang="en-US"/>
           </a:p>
@@ -2566,7 +2566,7 @@
           <a:p>
             <a:fld id="{511DDE28-6795-46FA-A924-7757604C6881}" type="datetimeFigureOut">
               <a:rPr lang="en-US" smtClean="0"/>
-              <a:t>3/26/2024</a:t>
+              <a:t>4/24/2024</a:t>
             </a:fld>
             <a:endParaRPr lang="en-US"/>
           </a:p>
@@ -2973,10 +2973,10 @@
       </p:grpSpPr>
       <p:pic>
         <p:nvPicPr>
-          <p:cNvPr id="4" name="Picture 3">
+          <p:cNvPr id="15" name="Picture 14">
             <a:extLst>
               <a:ext uri="{FF2B5EF4-FFF2-40B4-BE49-F238E27FC236}">
-                <a16:creationId xmlns:a16="http://schemas.microsoft.com/office/drawing/2014/main" id="{AFC6BA1D-574C-1D44-A8E0-5523A2E672F4}"/>
+                <a16:creationId xmlns:a16="http://schemas.microsoft.com/office/drawing/2014/main" id="{DDE6A13E-7CCA-EA95-F04A-B23E525BDF41}"/>
               </a:ext>
             </a:extLst>
           </p:cNvPr>
@@ -2993,8 +2993,8 @@
         </p:blipFill>
         <p:spPr>
           <a:xfrm>
-            <a:off x="169733" y="2718156"/>
-            <a:ext cx="2247301" cy="1258959"/>
+            <a:off x="193985" y="168588"/>
+            <a:ext cx="3997657" cy="1329370"/>
           </a:xfrm>
           <a:prstGeom prst="rect">
             <a:avLst/>
@@ -3003,10 +3003,10 @@
       </p:pic>
       <p:pic>
         <p:nvPicPr>
-          <p:cNvPr id="6" name="Picture 5">
+          <p:cNvPr id="3" name="Picture 2">
             <a:extLst>
               <a:ext uri="{FF2B5EF4-FFF2-40B4-BE49-F238E27FC236}">
-                <a16:creationId xmlns:a16="http://schemas.microsoft.com/office/drawing/2014/main" id="{62124AEF-7C9E-9338-4345-08C380733E0E}"/>
+                <a16:creationId xmlns:a16="http://schemas.microsoft.com/office/drawing/2014/main" id="{B641BE5B-929E-B8CC-4812-9A6B5E9F18B9}"/>
               </a:ext>
             </a:extLst>
           </p:cNvPr>
@@ -3023,98 +3023,8 @@
         </p:blipFill>
         <p:spPr>
           <a:xfrm>
-            <a:off x="169733" y="152400"/>
-            <a:ext cx="3754567" cy="2553056"/>
-          </a:xfrm>
-          <a:prstGeom prst="rect">
-            <a:avLst/>
-          </a:prstGeom>
-        </p:spPr>
-      </p:pic>
-      <p:pic>
-        <p:nvPicPr>
-          <p:cNvPr id="8" name="Picture 7">
-            <a:extLst>
-              <a:ext uri="{FF2B5EF4-FFF2-40B4-BE49-F238E27FC236}">
-                <a16:creationId xmlns:a16="http://schemas.microsoft.com/office/drawing/2014/main" id="{40219EBB-277E-F8F5-8BAA-D7BAA05DE78C}"/>
-              </a:ext>
-            </a:extLst>
-          </p:cNvPr>
-          <p:cNvPicPr>
-            <a:picLocks noChangeAspect="1"/>
-          </p:cNvPicPr>
-          <p:nvPr/>
-        </p:nvPicPr>
-        <p:blipFill>
-          <a:blip r:embed="rId4"/>
-          <a:stretch>
-            <a:fillRect/>
-          </a:stretch>
-        </p:blipFill>
-        <p:spPr>
-          <a:xfrm>
-            <a:off x="2447067" y="2718155"/>
-            <a:ext cx="4271233" cy="1258959"/>
-          </a:xfrm>
-          <a:prstGeom prst="rect">
-            <a:avLst/>
-          </a:prstGeom>
-        </p:spPr>
-      </p:pic>
-      <p:pic>
-        <p:nvPicPr>
-          <p:cNvPr id="10" name="Picture 9">
-            <a:extLst>
-              <a:ext uri="{FF2B5EF4-FFF2-40B4-BE49-F238E27FC236}">
-                <a16:creationId xmlns:a16="http://schemas.microsoft.com/office/drawing/2014/main" id="{A14E1355-46A1-E321-3253-DE175B8ED0E6}"/>
-              </a:ext>
-            </a:extLst>
-          </p:cNvPr>
-          <p:cNvPicPr>
-            <a:picLocks noChangeAspect="1"/>
-          </p:cNvPicPr>
-          <p:nvPr/>
-        </p:nvPicPr>
-        <p:blipFill>
-          <a:blip r:embed="rId5"/>
-          <a:stretch>
-            <a:fillRect/>
-          </a:stretch>
-        </p:blipFill>
-        <p:spPr>
-          <a:xfrm>
-            <a:off x="4024192" y="152400"/>
-            <a:ext cx="2389308" cy="2553056"/>
-          </a:xfrm>
-          <a:prstGeom prst="rect">
-            <a:avLst/>
-          </a:prstGeom>
-        </p:spPr>
-      </p:pic>
-      <p:pic>
-        <p:nvPicPr>
-          <p:cNvPr id="12" name="Picture 11">
-            <a:extLst>
-              <a:ext uri="{FF2B5EF4-FFF2-40B4-BE49-F238E27FC236}">
-                <a16:creationId xmlns:a16="http://schemas.microsoft.com/office/drawing/2014/main" id="{E681411A-567C-F47E-013C-F1186C61DB1C}"/>
-              </a:ext>
-            </a:extLst>
-          </p:cNvPr>
-          <p:cNvPicPr>
-            <a:picLocks noChangeAspect="1"/>
-          </p:cNvPicPr>
-          <p:nvPr/>
-        </p:nvPicPr>
-        <p:blipFill>
-          <a:blip r:embed="rId6"/>
-          <a:stretch>
-            <a:fillRect/>
-          </a:stretch>
-        </p:blipFill>
-        <p:spPr>
-          <a:xfrm>
-            <a:off x="169733" y="3989814"/>
-            <a:ext cx="2154972" cy="1077485"/>
+            <a:off x="193985" y="1510658"/>
+            <a:ext cx="3138612" cy="1225233"/>
           </a:xfrm>
           <a:prstGeom prst="rect">
             <a:avLst/>
@@ -3124,7 +3034,7 @@
     </p:spTree>
     <p:extLst>
       <p:ext uri="{BB962C8B-B14F-4D97-AF65-F5344CB8AC3E}">
-        <p14:creationId xmlns:p14="http://schemas.microsoft.com/office/powerpoint/2010/main" val="1679153277"/>
+        <p14:creationId xmlns:p14="http://schemas.microsoft.com/office/powerpoint/2010/main" val="716875045"/>
       </p:ext>
     </p:extLst>
   </p:cSld>
